--- a/docs/songs_27-02-2022.pptx
+++ b/docs/songs_27-02-2022.pptx
@@ -22,18 +22,23 @@
     <p:sldId id="541" r:id="rId16"/>
     <p:sldId id="542" r:id="rId17"/>
     <p:sldId id="543" r:id="rId18"/>
-    <p:sldId id="511" r:id="rId19"/>
-    <p:sldId id="512" r:id="rId20"/>
-    <p:sldId id="513" r:id="rId21"/>
-    <p:sldId id="514" r:id="rId22"/>
-    <p:sldId id="501" r:id="rId23"/>
-    <p:sldId id="537" r:id="rId24"/>
-    <p:sldId id="544" r:id="rId25"/>
-    <p:sldId id="545" r:id="rId26"/>
-    <p:sldId id="546" r:id="rId27"/>
-    <p:sldId id="547" r:id="rId28"/>
-    <p:sldId id="548" r:id="rId29"/>
-    <p:sldId id="549" r:id="rId30"/>
+    <p:sldId id="551" r:id="rId19"/>
+    <p:sldId id="550" r:id="rId20"/>
+    <p:sldId id="552" r:id="rId21"/>
+    <p:sldId id="553" r:id="rId22"/>
+    <p:sldId id="554" r:id="rId23"/>
+    <p:sldId id="511" r:id="rId24"/>
+    <p:sldId id="512" r:id="rId25"/>
+    <p:sldId id="513" r:id="rId26"/>
+    <p:sldId id="514" r:id="rId27"/>
+    <p:sldId id="501" r:id="rId28"/>
+    <p:sldId id="537" r:id="rId29"/>
+    <p:sldId id="544" r:id="rId30"/>
+    <p:sldId id="545" r:id="rId31"/>
+    <p:sldId id="546" r:id="rId32"/>
+    <p:sldId id="547" r:id="rId33"/>
+    <p:sldId id="548" r:id="rId34"/>
+    <p:sldId id="549" r:id="rId35"/>
   </p:sldIdLst>
   <p:sldSz cx="9144000" cy="6858000" type="screen4x3"/>
   <p:notesSz cx="6858000" cy="9144000"/>
@@ -333,7 +338,7 @@
             <a:fld id="{26EA1CF3-4A15-4CBF-9A5A-6A56C368BE71}" type="datetimeFigureOut">
               <a:rPr lang="en-GB" smtClean="0"/>
               <a:pPr/>
-              <a:t>23/02/2022</a:t>
+              <a:t>26/02/2022</a:t>
             </a:fld>
             <a:endParaRPr lang="en-GB"/>
           </a:p>
@@ -500,7 +505,7 @@
             <a:fld id="{26EA1CF3-4A15-4CBF-9A5A-6A56C368BE71}" type="datetimeFigureOut">
               <a:rPr lang="en-GB" smtClean="0"/>
               <a:pPr/>
-              <a:t>23/02/2022</a:t>
+              <a:t>26/02/2022</a:t>
             </a:fld>
             <a:endParaRPr lang="en-GB"/>
           </a:p>
@@ -677,7 +682,7 @@
             <a:fld id="{26EA1CF3-4A15-4CBF-9A5A-6A56C368BE71}" type="datetimeFigureOut">
               <a:rPr lang="en-GB" smtClean="0"/>
               <a:pPr/>
-              <a:t>23/02/2022</a:t>
+              <a:t>26/02/2022</a:t>
             </a:fld>
             <a:endParaRPr lang="en-GB"/>
           </a:p>
@@ -844,7 +849,7 @@
             <a:fld id="{26EA1CF3-4A15-4CBF-9A5A-6A56C368BE71}" type="datetimeFigureOut">
               <a:rPr lang="en-GB" smtClean="0"/>
               <a:pPr/>
-              <a:t>23/02/2022</a:t>
+              <a:t>26/02/2022</a:t>
             </a:fld>
             <a:endParaRPr lang="en-GB"/>
           </a:p>
@@ -1087,7 +1092,7 @@
             <a:fld id="{26EA1CF3-4A15-4CBF-9A5A-6A56C368BE71}" type="datetimeFigureOut">
               <a:rPr lang="en-GB" smtClean="0"/>
               <a:pPr/>
-              <a:t>23/02/2022</a:t>
+              <a:t>26/02/2022</a:t>
             </a:fld>
             <a:endParaRPr lang="en-GB"/>
           </a:p>
@@ -1372,7 +1377,7 @@
             <a:fld id="{26EA1CF3-4A15-4CBF-9A5A-6A56C368BE71}" type="datetimeFigureOut">
               <a:rPr lang="en-GB" smtClean="0"/>
               <a:pPr/>
-              <a:t>23/02/2022</a:t>
+              <a:t>26/02/2022</a:t>
             </a:fld>
             <a:endParaRPr lang="en-GB"/>
           </a:p>
@@ -1791,7 +1796,7 @@
             <a:fld id="{26EA1CF3-4A15-4CBF-9A5A-6A56C368BE71}" type="datetimeFigureOut">
               <a:rPr lang="en-GB" smtClean="0"/>
               <a:pPr/>
-              <a:t>23/02/2022</a:t>
+              <a:t>26/02/2022</a:t>
             </a:fld>
             <a:endParaRPr lang="en-GB"/>
           </a:p>
@@ -1906,7 +1911,7 @@
             <a:fld id="{26EA1CF3-4A15-4CBF-9A5A-6A56C368BE71}" type="datetimeFigureOut">
               <a:rPr lang="en-GB" smtClean="0"/>
               <a:pPr/>
-              <a:t>23/02/2022</a:t>
+              <a:t>26/02/2022</a:t>
             </a:fld>
             <a:endParaRPr lang="en-GB"/>
           </a:p>
@@ -1998,7 +2003,7 @@
             <a:fld id="{26EA1CF3-4A15-4CBF-9A5A-6A56C368BE71}" type="datetimeFigureOut">
               <a:rPr lang="en-GB" smtClean="0"/>
               <a:pPr/>
-              <a:t>23/02/2022</a:t>
+              <a:t>26/02/2022</a:t>
             </a:fld>
             <a:endParaRPr lang="en-GB"/>
           </a:p>
@@ -2272,7 +2277,7 @@
             <a:fld id="{26EA1CF3-4A15-4CBF-9A5A-6A56C368BE71}" type="datetimeFigureOut">
               <a:rPr lang="en-GB" smtClean="0"/>
               <a:pPr/>
-              <a:t>23/02/2022</a:t>
+              <a:t>26/02/2022</a:t>
             </a:fld>
             <a:endParaRPr lang="en-GB"/>
           </a:p>
@@ -2522,7 +2527,7 @@
             <a:fld id="{26EA1CF3-4A15-4CBF-9A5A-6A56C368BE71}" type="datetimeFigureOut">
               <a:rPr lang="en-GB" smtClean="0"/>
               <a:pPr/>
-              <a:t>23/02/2022</a:t>
+              <a:t>26/02/2022</a:t>
             </a:fld>
             <a:endParaRPr lang="en-GB"/>
           </a:p>
@@ -2735,7 +2740,7 @@
             <a:fld id="{26EA1CF3-4A15-4CBF-9A5A-6A56C368BE71}" type="datetimeFigureOut">
               <a:rPr lang="en-GB" smtClean="0"/>
               <a:pPr/>
-              <a:t>23/02/2022</a:t>
+              <a:t>26/02/2022</a:t>
             </a:fld>
             <a:endParaRPr lang="en-GB"/>
           </a:p>
@@ -4542,7 +4547,7 @@
                   <a:schemeClr val="bg1"/>
                 </a:solidFill>
               </a:rPr>
-              <a:t>1/2</a:t>
+              <a:t>2/2</a:t>
             </a:r>
           </a:p>
         </p:txBody>
@@ -4614,7 +4619,7 @@
                 </a:solidFill>
                 <a:latin typeface="akagi_probook"/>
               </a:rPr>
-              <a:t>Goodness Of God</a:t>
+              <a:t>Knowing You</a:t>
             </a:r>
           </a:p>
           <a:p>
@@ -4631,7 +4636,7 @@
                   <a:schemeClr val="bg1"/>
                 </a:solidFill>
               </a:rPr>
-              <a:t>CCLI Song # 7117726</a:t>
+              <a:t>CCLI Song # 1045238</a:t>
             </a:r>
           </a:p>
           <a:p>
@@ -4648,7 +4653,7 @@
                   <a:schemeClr val="bg1"/>
                 </a:solidFill>
               </a:rPr>
-              <a:t>Ben Fielding | Brian Johnson | Ed Cash | Jason Ingram | Jenn Johnson</a:t>
+              <a:t>Graham Kendrick</a:t>
             </a:r>
           </a:p>
           <a:p>
@@ -4665,47 +4670,7 @@
                   <a:schemeClr val="bg1"/>
                 </a:solidFill>
               </a:rPr>
-              <a:t>© 2018 Capitol CMG Paragon (Admin. by Capitol CMG Publishing)</a:t>
-            </a:r>
-          </a:p>
-          <a:p>
-            <a:r>
-              <a:rPr lang="en-GB" sz="1200" dirty="0">
-                <a:solidFill>
-                  <a:schemeClr val="bg1"/>
-                </a:solidFill>
-              </a:rPr>
-              <a:t>Fellow Ships Music (Admin. by Essential Music Publishing LLC)</a:t>
-            </a:r>
-          </a:p>
-          <a:p>
-            <a:r>
-              <a:rPr lang="en-GB" sz="1200" dirty="0">
-                <a:solidFill>
-                  <a:schemeClr val="bg1"/>
-                </a:solidFill>
-              </a:rPr>
-              <a:t>So Essential Tunes (Admin. by Essential Music Publishing LLC)</a:t>
-            </a:r>
-          </a:p>
-          <a:p>
-            <a:r>
-              <a:rPr lang="en-GB" sz="1200" dirty="0">
-                <a:solidFill>
-                  <a:schemeClr val="bg1"/>
-                </a:solidFill>
-              </a:rPr>
-              <a:t>SHOUT! Music Publishing Australia (Admin. by SHOUT! Music Publishing UK)</a:t>
-            </a:r>
-          </a:p>
-          <a:p>
-            <a:r>
-              <a:rPr lang="en-GB" sz="1200" dirty="0">
-                <a:solidFill>
-                  <a:schemeClr val="bg1"/>
-                </a:solidFill>
-              </a:rPr>
-              <a:t>Bethel Music Publishing (Admin. by Song Solutions)</a:t>
+              <a:t>© 1993 Make Way Music (Admin. by Make Way Music Limited)</a:t>
             </a:r>
           </a:p>
           <a:p>
@@ -4750,13 +4715,25 @@
               </a:rPr>
               <a:t>CCLI Licence No. 33265</a:t>
             </a:r>
+            <a:br>
+              <a:rPr lang="en-GB" sz="1200" dirty="0">
+                <a:solidFill>
+                  <a:schemeClr val="bg1"/>
+                </a:solidFill>
+              </a:rPr>
+            </a:br>
+            <a:endParaRPr lang="en-GB" sz="1200" dirty="0">
+              <a:solidFill>
+                <a:schemeClr val="bg1"/>
+              </a:solidFill>
+            </a:endParaRPr>
           </a:p>
         </p:txBody>
       </p:sp>
     </p:spTree>
     <p:extLst>
       <p:ext uri="{BB962C8B-B14F-4D97-AF65-F5344CB8AC3E}">
-        <p14:creationId xmlns:p14="http://schemas.microsoft.com/office/powerpoint/2010/main" val="2477780304"/>
+        <p14:creationId xmlns:p14="http://schemas.microsoft.com/office/powerpoint/2010/main" val="2975028004"/>
       </p:ext>
     </p:extLst>
   </p:cSld>
@@ -4806,72 +4783,42 @@
           <a:lstStyle/>
           <a:p>
             <a:r>
-              <a:rPr lang="en-GB" sz="4400" dirty="0">
-                <a:solidFill>
-                  <a:schemeClr val="bg1"/>
-                </a:solidFill>
-              </a:rPr>
-              <a:t>I love You Lord</a:t>
-            </a:r>
-          </a:p>
-          <a:p>
-            <a:r>
-              <a:rPr lang="en-GB" sz="4400" dirty="0">
-                <a:solidFill>
-                  <a:schemeClr val="bg1"/>
-                </a:solidFill>
-              </a:rPr>
-              <a:t>Oh Your mercy never fails me</a:t>
-            </a:r>
-          </a:p>
-          <a:p>
-            <a:r>
-              <a:rPr lang="en-GB" sz="4400" dirty="0">
-                <a:solidFill>
-                  <a:schemeClr val="bg1"/>
-                </a:solidFill>
-              </a:rPr>
-              <a:t>All my days</a:t>
-            </a:r>
-          </a:p>
-          <a:p>
-            <a:r>
-              <a:rPr lang="en-GB" sz="4400" dirty="0">
-                <a:solidFill>
-                  <a:schemeClr val="bg1"/>
-                </a:solidFill>
-              </a:rPr>
-              <a:t>I've been held in Your hands</a:t>
-            </a:r>
-          </a:p>
-          <a:p>
-            <a:r>
-              <a:rPr lang="en-GB" sz="4400" dirty="0">
-                <a:solidFill>
-                  <a:schemeClr val="bg1"/>
-                </a:solidFill>
-              </a:rPr>
-              <a:t>From the moment that I wake up</a:t>
-            </a:r>
-          </a:p>
-          <a:p>
-            <a:r>
-              <a:rPr lang="en-GB" sz="4400" dirty="0">
-                <a:solidFill>
-                  <a:schemeClr val="bg1"/>
-                </a:solidFill>
-              </a:rPr>
-              <a:t>Until I lay my head</a:t>
-            </a:r>
-          </a:p>
-          <a:p>
-            <a:r>
-              <a:rPr lang="en-GB" sz="4400" dirty="0">
-                <a:solidFill>
-                  <a:schemeClr val="bg1"/>
-                </a:solidFill>
-              </a:rPr>
-              <a:t>I will sing of the goodness of God</a:t>
+              <a:rPr lang="en-GB" sz="4800" dirty="0">
+                <a:solidFill>
+                  <a:schemeClr val="bg1"/>
+                </a:solidFill>
+              </a:rPr>
+              <a:t>All I once held dear built my life upon</a:t>
+            </a:r>
+          </a:p>
+          <a:p>
+            <a:r>
+              <a:rPr lang="en-GB" sz="4800" dirty="0">
+                <a:solidFill>
+                  <a:schemeClr val="bg1"/>
+                </a:solidFill>
+              </a:rPr>
+              <a:t>All this world reveres and wars to own</a:t>
+            </a:r>
+          </a:p>
+          <a:p>
+            <a:r>
+              <a:rPr lang="en-GB" sz="4800" dirty="0">
+                <a:solidFill>
+                  <a:schemeClr val="bg1"/>
+                </a:solidFill>
+              </a:rPr>
+              <a:t>All I once thought gain I have counted loss</a:t>
+            </a:r>
+          </a:p>
+          <a:p>
+            <a:r>
+              <a:rPr lang="en-GB" sz="4800" dirty="0">
+                <a:solidFill>
+                  <a:schemeClr val="bg1"/>
+                </a:solidFill>
+              </a:rPr>
+              <a:t>Spent and worthless now compared to this</a:t>
             </a:r>
           </a:p>
         </p:txBody>
@@ -4912,7 +4859,7 @@
     </p:spTree>
     <p:extLst>
       <p:ext uri="{BB962C8B-B14F-4D97-AF65-F5344CB8AC3E}">
-        <p14:creationId xmlns:p14="http://schemas.microsoft.com/office/powerpoint/2010/main" val="3348290221"/>
+        <p14:creationId xmlns:p14="http://schemas.microsoft.com/office/powerpoint/2010/main" val="2744583480"/>
       </p:ext>
     </p:extLst>
   </p:cSld>
@@ -5135,58 +5082,52 @@
           <a:lstStyle/>
           <a:p>
             <a:r>
-              <a:rPr lang="en-GB" sz="5000" dirty="0">
-                <a:solidFill>
-                  <a:schemeClr val="bg1"/>
-                </a:solidFill>
-              </a:rPr>
-              <a:t>All my life You have been faithful</a:t>
-            </a:r>
-          </a:p>
-          <a:p>
-            <a:r>
-              <a:rPr lang="en-GB" sz="5000" dirty="0">
-                <a:solidFill>
-                  <a:schemeClr val="bg1"/>
-                </a:solidFill>
-              </a:rPr>
-              <a:t>All my life You have been so </a:t>
-            </a:r>
-            <a:r>
-              <a:rPr lang="en-GB" sz="5000" dirty="0" err="1">
-                <a:solidFill>
-                  <a:schemeClr val="bg1"/>
-                </a:solidFill>
-              </a:rPr>
-              <a:t>so</a:t>
-            </a:r>
-            <a:r>
-              <a:rPr lang="en-GB" sz="5000" dirty="0">
-                <a:solidFill>
-                  <a:schemeClr val="bg1"/>
-                </a:solidFill>
-              </a:rPr>
-              <a:t> good</a:t>
-            </a:r>
-          </a:p>
-          <a:p>
-            <a:r>
-              <a:rPr lang="en-GB" sz="5000" dirty="0">
-                <a:solidFill>
-                  <a:schemeClr val="bg1"/>
-                </a:solidFill>
-              </a:rPr>
-              <a:t>With every breath that I am able</a:t>
-            </a:r>
-          </a:p>
-          <a:p>
-            <a:r>
-              <a:rPr lang="en-GB" sz="5000" dirty="0">
-                <a:solidFill>
-                  <a:schemeClr val="bg1"/>
-                </a:solidFill>
-              </a:rPr>
-              <a:t>I will sing of the goodness of God</a:t>
+              <a:rPr lang="en-GB" sz="4800" dirty="0">
+                <a:solidFill>
+                  <a:schemeClr val="bg1"/>
+                </a:solidFill>
+              </a:rPr>
+              <a:t>Knowing You Jesus knowing You</a:t>
+            </a:r>
+          </a:p>
+          <a:p>
+            <a:r>
+              <a:rPr lang="en-GB" sz="4800" dirty="0">
+                <a:solidFill>
+                  <a:schemeClr val="bg1"/>
+                </a:solidFill>
+              </a:rPr>
+              <a:t>There is no greater thing</a:t>
+            </a:r>
+          </a:p>
+          <a:p>
+            <a:r>
+              <a:rPr lang="en-GB" sz="4800" dirty="0">
+                <a:solidFill>
+                  <a:schemeClr val="bg1"/>
+                </a:solidFill>
+              </a:rPr>
+              <a:t>You're my all You're the best</a:t>
+            </a:r>
+          </a:p>
+          <a:p>
+            <a:r>
+              <a:rPr lang="en-GB" sz="4800" dirty="0">
+                <a:solidFill>
+                  <a:schemeClr val="bg1"/>
+                </a:solidFill>
+              </a:rPr>
+              <a:t>You're my joy my righteousness</a:t>
+            </a:r>
+          </a:p>
+          <a:p>
+            <a:r>
+              <a:rPr lang="en-GB" sz="4800" dirty="0">
+                <a:solidFill>
+                  <a:schemeClr val="bg1"/>
+                </a:solidFill>
+              </a:rPr>
+              <a:t>And I love You Lord love You Lor</a:t>
             </a:r>
           </a:p>
         </p:txBody>
@@ -5227,7 +5168,7 @@
     </p:spTree>
     <p:extLst>
       <p:ext uri="{BB962C8B-B14F-4D97-AF65-F5344CB8AC3E}">
-        <p14:creationId xmlns:p14="http://schemas.microsoft.com/office/powerpoint/2010/main" val="2544967348"/>
+        <p14:creationId xmlns:p14="http://schemas.microsoft.com/office/powerpoint/2010/main" val="2678102769"/>
       </p:ext>
     </p:extLst>
   </p:cSld>
@@ -5282,68 +5223,51 @@
                   <a:schemeClr val="bg1"/>
                 </a:solidFill>
               </a:rPr>
-              <a:t>I love Your voice</a:t>
-            </a:r>
-          </a:p>
-          <a:p>
-            <a:r>
-              <a:rPr lang="en-GB" sz="4800" dirty="0">
-                <a:solidFill>
-                  <a:schemeClr val="bg1"/>
-                </a:solidFill>
-              </a:rPr>
-              <a:t>You have led me through the fire</a:t>
-            </a:r>
-          </a:p>
-          <a:p>
-            <a:r>
-              <a:rPr lang="en-GB" sz="4800" dirty="0">
-                <a:solidFill>
-                  <a:schemeClr val="bg1"/>
-                </a:solidFill>
-              </a:rPr>
-              <a:t>In darkest night</a:t>
-            </a:r>
-          </a:p>
-          <a:p>
-            <a:r>
-              <a:rPr lang="en-GB" sz="4800" dirty="0">
-                <a:solidFill>
-                  <a:schemeClr val="bg1"/>
-                </a:solidFill>
-              </a:rPr>
-              <a:t>You are close like no other</a:t>
-            </a:r>
-          </a:p>
-          <a:p>
-            <a:r>
-              <a:rPr lang="en-GB" sz="4800" dirty="0">
-                <a:solidFill>
-                  <a:schemeClr val="bg1"/>
-                </a:solidFill>
-              </a:rPr>
-              <a:t>I've known You as a father</a:t>
-            </a:r>
-          </a:p>
-          <a:p>
-            <a:r>
-              <a:rPr lang="en-GB" sz="4800" dirty="0">
-                <a:solidFill>
-                  <a:schemeClr val="bg1"/>
-                </a:solidFill>
-              </a:rPr>
-              <a:t>I've known You as a friend</a:t>
-            </a:r>
-          </a:p>
-          <a:p>
-            <a:r>
-              <a:rPr lang="en-GB" sz="4800" dirty="0">
-                <a:solidFill>
-                  <a:schemeClr val="bg1"/>
-                </a:solidFill>
-              </a:rPr>
-              <a:t>I have lived in the goodness of God</a:t>
-            </a:r>
+              <a:t>Now my heart's desire is to know You more</a:t>
+            </a:r>
+          </a:p>
+          <a:p>
+            <a:r>
+              <a:rPr lang="en-GB" sz="4800" dirty="0">
+                <a:solidFill>
+                  <a:schemeClr val="bg1"/>
+                </a:solidFill>
+              </a:rPr>
+              <a:t>To be found in You and known as Yours</a:t>
+            </a:r>
+          </a:p>
+          <a:p>
+            <a:r>
+              <a:rPr lang="en-GB" sz="4800" dirty="0">
+                <a:solidFill>
+                  <a:schemeClr val="bg1"/>
+                </a:solidFill>
+              </a:rPr>
+              <a:t>To possess by faith what I could not earn</a:t>
+            </a:r>
+          </a:p>
+          <a:p>
+            <a:r>
+              <a:rPr lang="en-GB" sz="4800" dirty="0">
+                <a:solidFill>
+                  <a:schemeClr val="bg1"/>
+                </a:solidFill>
+              </a:rPr>
+              <a:t>All surpassing gift of </a:t>
+            </a:r>
+            <a:r>
+              <a:rPr lang="en-GB" sz="4800" dirty="0" err="1">
+                <a:solidFill>
+                  <a:schemeClr val="bg1"/>
+                </a:solidFill>
+              </a:rPr>
+              <a:t>righteousnes</a:t>
+            </a:r>
+            <a:endParaRPr lang="en-GB" sz="4800" dirty="0">
+              <a:solidFill>
+                <a:schemeClr val="bg1"/>
+              </a:solidFill>
+            </a:endParaRPr>
           </a:p>
         </p:txBody>
       </p:sp>
@@ -5383,7 +5307,7 @@
     </p:spTree>
     <p:extLst>
       <p:ext uri="{BB962C8B-B14F-4D97-AF65-F5344CB8AC3E}">
-        <p14:creationId xmlns:p14="http://schemas.microsoft.com/office/powerpoint/2010/main" val="4115935787"/>
+        <p14:creationId xmlns:p14="http://schemas.microsoft.com/office/powerpoint/2010/main" val="364370615"/>
       </p:ext>
     </p:extLst>
   </p:cSld>
@@ -5433,6 +5357,808 @@
           <a:lstStyle/>
           <a:p>
             <a:r>
+              <a:rPr lang="en-GB" sz="4800" dirty="0">
+                <a:solidFill>
+                  <a:schemeClr val="bg1"/>
+                </a:solidFill>
+              </a:rPr>
+              <a:t>Oh to know the </a:t>
+            </a:r>
+            <a:r>
+              <a:rPr lang="en-GB" sz="4800" dirty="0" err="1">
+                <a:solidFill>
+                  <a:schemeClr val="bg1"/>
+                </a:solidFill>
+              </a:rPr>
+              <a:t>pow'r</a:t>
+            </a:r>
+            <a:r>
+              <a:rPr lang="en-GB" sz="4800" dirty="0">
+                <a:solidFill>
+                  <a:schemeClr val="bg1"/>
+                </a:solidFill>
+              </a:rPr>
+              <a:t> of Your risen life</a:t>
+            </a:r>
+          </a:p>
+          <a:p>
+            <a:r>
+              <a:rPr lang="en-GB" sz="4800" dirty="0">
+                <a:solidFill>
+                  <a:schemeClr val="bg1"/>
+                </a:solidFill>
+              </a:rPr>
+              <a:t>And to know You in Your sufferings</a:t>
+            </a:r>
+          </a:p>
+          <a:p>
+            <a:r>
+              <a:rPr lang="en-GB" sz="4800" dirty="0">
+                <a:solidFill>
+                  <a:schemeClr val="bg1"/>
+                </a:solidFill>
+              </a:rPr>
+              <a:t>To become like You in Your death my Lord</a:t>
+            </a:r>
+          </a:p>
+          <a:p>
+            <a:r>
+              <a:rPr lang="en-GB" sz="4800" dirty="0">
+                <a:solidFill>
+                  <a:schemeClr val="bg1"/>
+                </a:solidFill>
+              </a:rPr>
+              <a:t>So with You to live and never die</a:t>
+            </a:r>
+          </a:p>
+        </p:txBody>
+      </p:sp>
+      <p:sp>
+        <p:nvSpPr>
+          <p:cNvPr id="4" name="TextBox 3"/>
+          <p:cNvSpPr txBox="1"/>
+          <p:nvPr/>
+        </p:nvSpPr>
+        <p:spPr>
+          <a:xfrm>
+            <a:off x="8529729" y="0"/>
+            <a:ext cx="628698" cy="461665"/>
+          </a:xfrm>
+          <a:prstGeom prst="rect">
+            <a:avLst/>
+          </a:prstGeom>
+          <a:noFill/>
+        </p:spPr>
+        <p:txBody>
+          <a:bodyPr wrap="none" rtlCol="0">
+            <a:spAutoFit/>
+          </a:bodyPr>
+          <a:lstStyle/>
+          <a:p>
+            <a:r>
+              <a:rPr lang="en-GB" sz="2400" b="1" dirty="0">
+                <a:solidFill>
+                  <a:schemeClr val="bg1"/>
+                </a:solidFill>
+              </a:rPr>
+              <a:t>4/4</a:t>
+            </a:r>
+          </a:p>
+        </p:txBody>
+      </p:sp>
+    </p:spTree>
+    <p:extLst>
+      <p:ext uri="{BB962C8B-B14F-4D97-AF65-F5344CB8AC3E}">
+        <p14:creationId xmlns:p14="http://schemas.microsoft.com/office/powerpoint/2010/main" val="3013995668"/>
+      </p:ext>
+    </p:extLst>
+  </p:cSld>
+  <p:clrMapOvr>
+    <a:masterClrMapping/>
+  </p:clrMapOvr>
+</p:sld>
+</file>
+
+<file path=ppt/slides/slide23.xml><?xml version="1.0" encoding="utf-8"?>
+<p:sld xmlns:a="http://schemas.openxmlformats.org/drawingml/2006/main" xmlns:r="http://schemas.openxmlformats.org/officeDocument/2006/relationships" xmlns:p="http://schemas.openxmlformats.org/presentationml/2006/main">
+  <p:cSld>
+    <p:spTree>
+      <p:nvGrpSpPr>
+        <p:cNvPr id="1" name=""/>
+        <p:cNvGrpSpPr/>
+        <p:nvPr/>
+      </p:nvGrpSpPr>
+      <p:grpSpPr>
+        <a:xfrm>
+          <a:off x="0" y="0"/>
+          <a:ext cx="0" cy="0"/>
+          <a:chOff x="0" y="0"/>
+          <a:chExt cx="0" cy="0"/>
+        </a:xfrm>
+      </p:grpSpPr>
+      <p:sp>
+        <p:nvSpPr>
+          <p:cNvPr id="3" name="Subtitle 2"/>
+          <p:cNvSpPr>
+            <a:spLocks noGrp="1"/>
+          </p:cNvSpPr>
+          <p:nvPr>
+            <p:ph type="subTitle" idx="1"/>
+          </p:nvPr>
+        </p:nvSpPr>
+        <p:spPr>
+          <a:xfrm>
+            <a:off x="323528" y="188640"/>
+            <a:ext cx="8640960" cy="6480720"/>
+          </a:xfrm>
+        </p:spPr>
+        <p:txBody>
+          <a:bodyPr>
+            <a:noAutofit/>
+          </a:bodyPr>
+          <a:lstStyle/>
+          <a:p>
+            <a:endParaRPr lang="en-GB" sz="6600" dirty="0">
+              <a:solidFill>
+                <a:srgbClr val="00A3E0"/>
+              </a:solidFill>
+              <a:latin typeface="akagi_probook"/>
+            </a:endParaRPr>
+          </a:p>
+          <a:p>
+            <a:r>
+              <a:rPr lang="en-GB" sz="6600" dirty="0">
+                <a:solidFill>
+                  <a:srgbClr val="00A3E0"/>
+                </a:solidFill>
+                <a:latin typeface="akagi_probook"/>
+              </a:rPr>
+              <a:t>Goodness Of God</a:t>
+            </a:r>
+          </a:p>
+          <a:p>
+            <a:endParaRPr lang="en-GB" sz="1200" dirty="0">
+              <a:solidFill>
+                <a:schemeClr val="bg1"/>
+              </a:solidFill>
+            </a:endParaRPr>
+          </a:p>
+          <a:p>
+            <a:r>
+              <a:rPr lang="en-GB" sz="1200" dirty="0">
+                <a:solidFill>
+                  <a:schemeClr val="bg1"/>
+                </a:solidFill>
+              </a:rPr>
+              <a:t>CCLI Song # 7117726</a:t>
+            </a:r>
+          </a:p>
+          <a:p>
+            <a:endParaRPr lang="en-GB" sz="1200" dirty="0">
+              <a:solidFill>
+                <a:schemeClr val="bg1"/>
+              </a:solidFill>
+            </a:endParaRPr>
+          </a:p>
+          <a:p>
+            <a:r>
+              <a:rPr lang="en-GB" sz="1200" dirty="0">
+                <a:solidFill>
+                  <a:schemeClr val="bg1"/>
+                </a:solidFill>
+              </a:rPr>
+              <a:t>Ben Fielding | Brian Johnson | Ed Cash | Jason Ingram | Jenn Johnson</a:t>
+            </a:r>
+          </a:p>
+          <a:p>
+            <a:endParaRPr lang="en-GB" sz="1200" dirty="0">
+              <a:solidFill>
+                <a:schemeClr val="bg1"/>
+              </a:solidFill>
+            </a:endParaRPr>
+          </a:p>
+          <a:p>
+            <a:r>
+              <a:rPr lang="en-GB" sz="1200" dirty="0">
+                <a:solidFill>
+                  <a:schemeClr val="bg1"/>
+                </a:solidFill>
+              </a:rPr>
+              <a:t>© 2018 Capitol CMG Paragon (Admin. by Capitol CMG Publishing)</a:t>
+            </a:r>
+          </a:p>
+          <a:p>
+            <a:r>
+              <a:rPr lang="en-GB" sz="1200" dirty="0">
+                <a:solidFill>
+                  <a:schemeClr val="bg1"/>
+                </a:solidFill>
+              </a:rPr>
+              <a:t>Fellow Ships Music (Admin. by Essential Music Publishing LLC)</a:t>
+            </a:r>
+          </a:p>
+          <a:p>
+            <a:r>
+              <a:rPr lang="en-GB" sz="1200" dirty="0">
+                <a:solidFill>
+                  <a:schemeClr val="bg1"/>
+                </a:solidFill>
+              </a:rPr>
+              <a:t>So Essential Tunes (Admin. by Essential Music Publishing LLC)</a:t>
+            </a:r>
+          </a:p>
+          <a:p>
+            <a:r>
+              <a:rPr lang="en-GB" sz="1200" dirty="0">
+                <a:solidFill>
+                  <a:schemeClr val="bg1"/>
+                </a:solidFill>
+              </a:rPr>
+              <a:t>SHOUT! Music Publishing Australia (Admin. by SHOUT! Music Publishing UK)</a:t>
+            </a:r>
+          </a:p>
+          <a:p>
+            <a:r>
+              <a:rPr lang="en-GB" sz="1200" dirty="0">
+                <a:solidFill>
+                  <a:schemeClr val="bg1"/>
+                </a:solidFill>
+              </a:rPr>
+              <a:t>Bethel Music Publishing (Admin. by Song Solutions)</a:t>
+            </a:r>
+          </a:p>
+          <a:p>
+            <a:r>
+              <a:rPr lang="en-GB" sz="1200" dirty="0">
+                <a:solidFill>
+                  <a:schemeClr val="bg1"/>
+                </a:solidFill>
+              </a:rPr>
+              <a:t>For use solely with the </a:t>
+            </a:r>
+            <a:r>
+              <a:rPr lang="en-GB" sz="1200" dirty="0" err="1">
+                <a:solidFill>
+                  <a:schemeClr val="bg1"/>
+                </a:solidFill>
+              </a:rPr>
+              <a:t>SongSelect</a:t>
+            </a:r>
+            <a:r>
+              <a:rPr lang="en-GB" sz="1200" dirty="0">
+                <a:solidFill>
+                  <a:schemeClr val="bg1"/>
+                </a:solidFill>
+              </a:rPr>
+              <a:t>® Terms of Use. All rights reserved. www.ccli.com</a:t>
+            </a:r>
+          </a:p>
+          <a:p>
+            <a:endParaRPr lang="en-GB" sz="1200" dirty="0">
+              <a:solidFill>
+                <a:schemeClr val="bg1"/>
+              </a:solidFill>
+            </a:endParaRPr>
+          </a:p>
+          <a:p>
+            <a:r>
+              <a:rPr lang="en-GB" sz="1200" dirty="0">
+                <a:solidFill>
+                  <a:schemeClr val="bg1"/>
+                </a:solidFill>
+              </a:rPr>
+              <a:t>CCLI Licence No. 33265</a:t>
+            </a:r>
+          </a:p>
+        </p:txBody>
+      </p:sp>
+    </p:spTree>
+    <p:extLst>
+      <p:ext uri="{BB962C8B-B14F-4D97-AF65-F5344CB8AC3E}">
+        <p14:creationId xmlns:p14="http://schemas.microsoft.com/office/powerpoint/2010/main" val="2477780304"/>
+      </p:ext>
+    </p:extLst>
+  </p:cSld>
+  <p:clrMapOvr>
+    <a:masterClrMapping/>
+  </p:clrMapOvr>
+</p:sld>
+</file>
+
+<file path=ppt/slides/slide24.xml><?xml version="1.0" encoding="utf-8"?>
+<p:sld xmlns:a="http://schemas.openxmlformats.org/drawingml/2006/main" xmlns:r="http://schemas.openxmlformats.org/officeDocument/2006/relationships" xmlns:p="http://schemas.openxmlformats.org/presentationml/2006/main">
+  <p:cSld>
+    <p:spTree>
+      <p:nvGrpSpPr>
+        <p:cNvPr id="1" name=""/>
+        <p:cNvGrpSpPr/>
+        <p:nvPr/>
+      </p:nvGrpSpPr>
+      <p:grpSpPr>
+        <a:xfrm>
+          <a:off x="0" y="0"/>
+          <a:ext cx="0" cy="0"/>
+          <a:chOff x="0" y="0"/>
+          <a:chExt cx="0" cy="0"/>
+        </a:xfrm>
+      </p:grpSpPr>
+      <p:sp>
+        <p:nvSpPr>
+          <p:cNvPr id="3" name="Subtitle 2"/>
+          <p:cNvSpPr>
+            <a:spLocks noGrp="1"/>
+          </p:cNvSpPr>
+          <p:nvPr>
+            <p:ph type="subTitle" idx="1"/>
+          </p:nvPr>
+        </p:nvSpPr>
+        <p:spPr>
+          <a:xfrm>
+            <a:off x="323528" y="188640"/>
+            <a:ext cx="8640960" cy="6480720"/>
+          </a:xfrm>
+        </p:spPr>
+        <p:txBody>
+          <a:bodyPr>
+            <a:noAutofit/>
+          </a:bodyPr>
+          <a:lstStyle/>
+          <a:p>
+            <a:r>
+              <a:rPr lang="en-GB" sz="4400" dirty="0">
+                <a:solidFill>
+                  <a:schemeClr val="bg1"/>
+                </a:solidFill>
+              </a:rPr>
+              <a:t>I love You Lord</a:t>
+            </a:r>
+          </a:p>
+          <a:p>
+            <a:r>
+              <a:rPr lang="en-GB" sz="4400" dirty="0">
+                <a:solidFill>
+                  <a:schemeClr val="bg1"/>
+                </a:solidFill>
+              </a:rPr>
+              <a:t>Oh Your mercy never fails me</a:t>
+            </a:r>
+          </a:p>
+          <a:p>
+            <a:r>
+              <a:rPr lang="en-GB" sz="4400" dirty="0">
+                <a:solidFill>
+                  <a:schemeClr val="bg1"/>
+                </a:solidFill>
+              </a:rPr>
+              <a:t>All my days</a:t>
+            </a:r>
+          </a:p>
+          <a:p>
+            <a:r>
+              <a:rPr lang="en-GB" sz="4400" dirty="0">
+                <a:solidFill>
+                  <a:schemeClr val="bg1"/>
+                </a:solidFill>
+              </a:rPr>
+              <a:t>I've been held in Your hands</a:t>
+            </a:r>
+          </a:p>
+          <a:p>
+            <a:r>
+              <a:rPr lang="en-GB" sz="4400" dirty="0">
+                <a:solidFill>
+                  <a:schemeClr val="bg1"/>
+                </a:solidFill>
+              </a:rPr>
+              <a:t>From the moment that I wake up</a:t>
+            </a:r>
+          </a:p>
+          <a:p>
+            <a:r>
+              <a:rPr lang="en-GB" sz="4400" dirty="0">
+                <a:solidFill>
+                  <a:schemeClr val="bg1"/>
+                </a:solidFill>
+              </a:rPr>
+              <a:t>Until I lay my head</a:t>
+            </a:r>
+          </a:p>
+          <a:p>
+            <a:r>
+              <a:rPr lang="en-GB" sz="4400" dirty="0">
+                <a:solidFill>
+                  <a:schemeClr val="bg1"/>
+                </a:solidFill>
+              </a:rPr>
+              <a:t>I will sing of the goodness of God</a:t>
+            </a:r>
+          </a:p>
+        </p:txBody>
+      </p:sp>
+      <p:sp>
+        <p:nvSpPr>
+          <p:cNvPr id="4" name="TextBox 3"/>
+          <p:cNvSpPr txBox="1"/>
+          <p:nvPr/>
+        </p:nvSpPr>
+        <p:spPr>
+          <a:xfrm>
+            <a:off x="8529729" y="0"/>
+            <a:ext cx="628698" cy="461665"/>
+          </a:xfrm>
+          <a:prstGeom prst="rect">
+            <a:avLst/>
+          </a:prstGeom>
+          <a:noFill/>
+        </p:spPr>
+        <p:txBody>
+          <a:bodyPr wrap="none" rtlCol="0">
+            <a:spAutoFit/>
+          </a:bodyPr>
+          <a:lstStyle/>
+          <a:p>
+            <a:r>
+              <a:rPr lang="en-GB" sz="2400" b="1" dirty="0">
+                <a:solidFill>
+                  <a:schemeClr val="bg1"/>
+                </a:solidFill>
+              </a:rPr>
+              <a:t>1/4</a:t>
+            </a:r>
+          </a:p>
+        </p:txBody>
+      </p:sp>
+    </p:spTree>
+    <p:extLst>
+      <p:ext uri="{BB962C8B-B14F-4D97-AF65-F5344CB8AC3E}">
+        <p14:creationId xmlns:p14="http://schemas.microsoft.com/office/powerpoint/2010/main" val="3348290221"/>
+      </p:ext>
+    </p:extLst>
+  </p:cSld>
+  <p:clrMapOvr>
+    <a:masterClrMapping/>
+  </p:clrMapOvr>
+</p:sld>
+</file>
+
+<file path=ppt/slides/slide25.xml><?xml version="1.0" encoding="utf-8"?>
+<p:sld xmlns:a="http://schemas.openxmlformats.org/drawingml/2006/main" xmlns:r="http://schemas.openxmlformats.org/officeDocument/2006/relationships" xmlns:p="http://schemas.openxmlformats.org/presentationml/2006/main">
+  <p:cSld>
+    <p:spTree>
+      <p:nvGrpSpPr>
+        <p:cNvPr id="1" name=""/>
+        <p:cNvGrpSpPr/>
+        <p:nvPr/>
+      </p:nvGrpSpPr>
+      <p:grpSpPr>
+        <a:xfrm>
+          <a:off x="0" y="0"/>
+          <a:ext cx="0" cy="0"/>
+          <a:chOff x="0" y="0"/>
+          <a:chExt cx="0" cy="0"/>
+        </a:xfrm>
+      </p:grpSpPr>
+      <p:sp>
+        <p:nvSpPr>
+          <p:cNvPr id="3" name="Subtitle 2"/>
+          <p:cNvSpPr>
+            <a:spLocks noGrp="1"/>
+          </p:cNvSpPr>
+          <p:nvPr>
+            <p:ph type="subTitle" idx="1"/>
+          </p:nvPr>
+        </p:nvSpPr>
+        <p:spPr>
+          <a:xfrm>
+            <a:off x="323528" y="188640"/>
+            <a:ext cx="8640960" cy="6480720"/>
+          </a:xfrm>
+        </p:spPr>
+        <p:txBody>
+          <a:bodyPr>
+            <a:noAutofit/>
+          </a:bodyPr>
+          <a:lstStyle/>
+          <a:p>
+            <a:r>
+              <a:rPr lang="en-GB" sz="5000" dirty="0">
+                <a:solidFill>
+                  <a:schemeClr val="bg1"/>
+                </a:solidFill>
+              </a:rPr>
+              <a:t>All my life You have been faithful</a:t>
+            </a:r>
+          </a:p>
+          <a:p>
+            <a:r>
+              <a:rPr lang="en-GB" sz="5000" dirty="0">
+                <a:solidFill>
+                  <a:schemeClr val="bg1"/>
+                </a:solidFill>
+              </a:rPr>
+              <a:t>All my life You have been so </a:t>
+            </a:r>
+            <a:r>
+              <a:rPr lang="en-GB" sz="5000" dirty="0" err="1">
+                <a:solidFill>
+                  <a:schemeClr val="bg1"/>
+                </a:solidFill>
+              </a:rPr>
+              <a:t>so</a:t>
+            </a:r>
+            <a:r>
+              <a:rPr lang="en-GB" sz="5000" dirty="0">
+                <a:solidFill>
+                  <a:schemeClr val="bg1"/>
+                </a:solidFill>
+              </a:rPr>
+              <a:t> good</a:t>
+            </a:r>
+          </a:p>
+          <a:p>
+            <a:r>
+              <a:rPr lang="en-GB" sz="5000" dirty="0">
+                <a:solidFill>
+                  <a:schemeClr val="bg1"/>
+                </a:solidFill>
+              </a:rPr>
+              <a:t>With every breath that I am able</a:t>
+            </a:r>
+          </a:p>
+          <a:p>
+            <a:r>
+              <a:rPr lang="en-GB" sz="5000" dirty="0">
+                <a:solidFill>
+                  <a:schemeClr val="bg1"/>
+                </a:solidFill>
+              </a:rPr>
+              <a:t>I will sing of the goodness of God</a:t>
+            </a:r>
+          </a:p>
+        </p:txBody>
+      </p:sp>
+      <p:sp>
+        <p:nvSpPr>
+          <p:cNvPr id="4" name="TextBox 3"/>
+          <p:cNvSpPr txBox="1"/>
+          <p:nvPr/>
+        </p:nvSpPr>
+        <p:spPr>
+          <a:xfrm>
+            <a:off x="8529729" y="0"/>
+            <a:ext cx="628698" cy="461665"/>
+          </a:xfrm>
+          <a:prstGeom prst="rect">
+            <a:avLst/>
+          </a:prstGeom>
+          <a:noFill/>
+        </p:spPr>
+        <p:txBody>
+          <a:bodyPr wrap="none" rtlCol="0">
+            <a:spAutoFit/>
+          </a:bodyPr>
+          <a:lstStyle/>
+          <a:p>
+            <a:r>
+              <a:rPr lang="en-GB" sz="2400" b="1" dirty="0">
+                <a:solidFill>
+                  <a:schemeClr val="bg1"/>
+                </a:solidFill>
+              </a:rPr>
+              <a:t>2/4</a:t>
+            </a:r>
+          </a:p>
+        </p:txBody>
+      </p:sp>
+    </p:spTree>
+    <p:extLst>
+      <p:ext uri="{BB962C8B-B14F-4D97-AF65-F5344CB8AC3E}">
+        <p14:creationId xmlns:p14="http://schemas.microsoft.com/office/powerpoint/2010/main" val="2544967348"/>
+      </p:ext>
+    </p:extLst>
+  </p:cSld>
+  <p:clrMapOvr>
+    <a:masterClrMapping/>
+  </p:clrMapOvr>
+</p:sld>
+</file>
+
+<file path=ppt/slides/slide26.xml><?xml version="1.0" encoding="utf-8"?>
+<p:sld xmlns:a="http://schemas.openxmlformats.org/drawingml/2006/main" xmlns:r="http://schemas.openxmlformats.org/officeDocument/2006/relationships" xmlns:p="http://schemas.openxmlformats.org/presentationml/2006/main">
+  <p:cSld>
+    <p:spTree>
+      <p:nvGrpSpPr>
+        <p:cNvPr id="1" name=""/>
+        <p:cNvGrpSpPr/>
+        <p:nvPr/>
+      </p:nvGrpSpPr>
+      <p:grpSpPr>
+        <a:xfrm>
+          <a:off x="0" y="0"/>
+          <a:ext cx="0" cy="0"/>
+          <a:chOff x="0" y="0"/>
+          <a:chExt cx="0" cy="0"/>
+        </a:xfrm>
+      </p:grpSpPr>
+      <p:sp>
+        <p:nvSpPr>
+          <p:cNvPr id="3" name="Subtitle 2"/>
+          <p:cNvSpPr>
+            <a:spLocks noGrp="1"/>
+          </p:cNvSpPr>
+          <p:nvPr>
+            <p:ph type="subTitle" idx="1"/>
+          </p:nvPr>
+        </p:nvSpPr>
+        <p:spPr>
+          <a:xfrm>
+            <a:off x="323528" y="188640"/>
+            <a:ext cx="8640960" cy="6480720"/>
+          </a:xfrm>
+        </p:spPr>
+        <p:txBody>
+          <a:bodyPr>
+            <a:noAutofit/>
+          </a:bodyPr>
+          <a:lstStyle/>
+          <a:p>
+            <a:r>
+              <a:rPr lang="en-GB" sz="4800" dirty="0">
+                <a:solidFill>
+                  <a:schemeClr val="bg1"/>
+                </a:solidFill>
+              </a:rPr>
+              <a:t>I love Your voice</a:t>
+            </a:r>
+          </a:p>
+          <a:p>
+            <a:r>
+              <a:rPr lang="en-GB" sz="4800" dirty="0">
+                <a:solidFill>
+                  <a:schemeClr val="bg1"/>
+                </a:solidFill>
+              </a:rPr>
+              <a:t>You have led me through the fire</a:t>
+            </a:r>
+          </a:p>
+          <a:p>
+            <a:r>
+              <a:rPr lang="en-GB" sz="4800" dirty="0">
+                <a:solidFill>
+                  <a:schemeClr val="bg1"/>
+                </a:solidFill>
+              </a:rPr>
+              <a:t>In darkest night</a:t>
+            </a:r>
+          </a:p>
+          <a:p>
+            <a:r>
+              <a:rPr lang="en-GB" sz="4800" dirty="0">
+                <a:solidFill>
+                  <a:schemeClr val="bg1"/>
+                </a:solidFill>
+              </a:rPr>
+              <a:t>You are close like no other</a:t>
+            </a:r>
+          </a:p>
+          <a:p>
+            <a:r>
+              <a:rPr lang="en-GB" sz="4800" dirty="0">
+                <a:solidFill>
+                  <a:schemeClr val="bg1"/>
+                </a:solidFill>
+              </a:rPr>
+              <a:t>I've known You as a father</a:t>
+            </a:r>
+          </a:p>
+          <a:p>
+            <a:r>
+              <a:rPr lang="en-GB" sz="4800" dirty="0">
+                <a:solidFill>
+                  <a:schemeClr val="bg1"/>
+                </a:solidFill>
+              </a:rPr>
+              <a:t>I've known You as a friend</a:t>
+            </a:r>
+          </a:p>
+          <a:p>
+            <a:r>
+              <a:rPr lang="en-GB" sz="4800" dirty="0">
+                <a:solidFill>
+                  <a:schemeClr val="bg1"/>
+                </a:solidFill>
+              </a:rPr>
+              <a:t>I have lived in the goodness of God</a:t>
+            </a:r>
+          </a:p>
+        </p:txBody>
+      </p:sp>
+      <p:sp>
+        <p:nvSpPr>
+          <p:cNvPr id="4" name="TextBox 3"/>
+          <p:cNvSpPr txBox="1"/>
+          <p:nvPr/>
+        </p:nvSpPr>
+        <p:spPr>
+          <a:xfrm>
+            <a:off x="8529729" y="0"/>
+            <a:ext cx="628698" cy="461665"/>
+          </a:xfrm>
+          <a:prstGeom prst="rect">
+            <a:avLst/>
+          </a:prstGeom>
+          <a:noFill/>
+        </p:spPr>
+        <p:txBody>
+          <a:bodyPr wrap="none" rtlCol="0">
+            <a:spAutoFit/>
+          </a:bodyPr>
+          <a:lstStyle/>
+          <a:p>
+            <a:r>
+              <a:rPr lang="en-GB" sz="2400" b="1" dirty="0">
+                <a:solidFill>
+                  <a:schemeClr val="bg1"/>
+                </a:solidFill>
+              </a:rPr>
+              <a:t>3/4</a:t>
+            </a:r>
+          </a:p>
+        </p:txBody>
+      </p:sp>
+    </p:spTree>
+    <p:extLst>
+      <p:ext uri="{BB962C8B-B14F-4D97-AF65-F5344CB8AC3E}">
+        <p14:creationId xmlns:p14="http://schemas.microsoft.com/office/powerpoint/2010/main" val="4115935787"/>
+      </p:ext>
+    </p:extLst>
+  </p:cSld>
+  <p:clrMapOvr>
+    <a:masterClrMapping/>
+  </p:clrMapOvr>
+</p:sld>
+</file>
+
+<file path=ppt/slides/slide27.xml><?xml version="1.0" encoding="utf-8"?>
+<p:sld xmlns:a="http://schemas.openxmlformats.org/drawingml/2006/main" xmlns:r="http://schemas.openxmlformats.org/officeDocument/2006/relationships" xmlns:p="http://schemas.openxmlformats.org/presentationml/2006/main">
+  <p:cSld>
+    <p:spTree>
+      <p:nvGrpSpPr>
+        <p:cNvPr id="1" name=""/>
+        <p:cNvGrpSpPr/>
+        <p:nvPr/>
+      </p:nvGrpSpPr>
+      <p:grpSpPr>
+        <a:xfrm>
+          <a:off x="0" y="0"/>
+          <a:ext cx="0" cy="0"/>
+          <a:chOff x="0" y="0"/>
+          <a:chExt cx="0" cy="0"/>
+        </a:xfrm>
+      </p:grpSpPr>
+      <p:sp>
+        <p:nvSpPr>
+          <p:cNvPr id="3" name="Subtitle 2"/>
+          <p:cNvSpPr>
+            <a:spLocks noGrp="1"/>
+          </p:cNvSpPr>
+          <p:nvPr>
+            <p:ph type="subTitle" idx="1"/>
+          </p:nvPr>
+        </p:nvSpPr>
+        <p:spPr>
+          <a:xfrm>
+            <a:off x="323528" y="188640"/>
+            <a:ext cx="8640960" cy="6480720"/>
+          </a:xfrm>
+        </p:spPr>
+        <p:txBody>
+          <a:bodyPr>
+            <a:noAutofit/>
+          </a:bodyPr>
+          <a:lstStyle/>
+          <a:p>
+            <a:r>
               <a:rPr lang="en-GB" sz="4000" dirty="0">
                 <a:solidFill>
                   <a:schemeClr val="bg1"/>
@@ -5569,7 +6295,7 @@
 </p:sld>
 </file>
 
-<file path=ppt/slides/slide23.xml><?xml version="1.0" encoding="utf-8"?>
+<file path=ppt/slides/slide28.xml><?xml version="1.0" encoding="utf-8"?>
 <p:sld xmlns:a="http://schemas.openxmlformats.org/drawingml/2006/main" xmlns:r="http://schemas.openxmlformats.org/officeDocument/2006/relationships" xmlns:p="http://schemas.openxmlformats.org/presentationml/2006/main">
   <p:cSld>
     <p:spTree>
@@ -5645,736 +6371,6 @@
 </p:sld>
 </file>
 
-<file path=ppt/slides/slide24.xml><?xml version="1.0" encoding="utf-8"?>
-<p:sld xmlns:a="http://schemas.openxmlformats.org/drawingml/2006/main" xmlns:r="http://schemas.openxmlformats.org/officeDocument/2006/relationships" xmlns:p="http://schemas.openxmlformats.org/presentationml/2006/main">
-  <p:cSld>
-    <p:spTree>
-      <p:nvGrpSpPr>
-        <p:cNvPr id="1" name=""/>
-        <p:cNvGrpSpPr/>
-        <p:nvPr/>
-      </p:nvGrpSpPr>
-      <p:grpSpPr>
-        <a:xfrm>
-          <a:off x="0" y="0"/>
-          <a:ext cx="0" cy="0"/>
-          <a:chOff x="0" y="0"/>
-          <a:chExt cx="0" cy="0"/>
-        </a:xfrm>
-      </p:grpSpPr>
-      <p:sp>
-        <p:nvSpPr>
-          <p:cNvPr id="3" name="Subtitle 2"/>
-          <p:cNvSpPr>
-            <a:spLocks noGrp="1"/>
-          </p:cNvSpPr>
-          <p:nvPr>
-            <p:ph type="subTitle" idx="1"/>
-          </p:nvPr>
-        </p:nvSpPr>
-        <p:spPr>
-          <a:xfrm>
-            <a:off x="323528" y="188640"/>
-            <a:ext cx="8640960" cy="6480720"/>
-          </a:xfrm>
-        </p:spPr>
-        <p:txBody>
-          <a:bodyPr>
-            <a:noAutofit/>
-          </a:bodyPr>
-          <a:lstStyle/>
-          <a:p>
-            <a:endParaRPr lang="en-GB" sz="6600" dirty="0">
-              <a:solidFill>
-                <a:srgbClr val="00A3E0"/>
-              </a:solidFill>
-              <a:latin typeface="akagi_probook"/>
-            </a:endParaRPr>
-          </a:p>
-          <a:p>
-            <a:r>
-              <a:rPr lang="en-GB" sz="6600" dirty="0">
-                <a:solidFill>
-                  <a:srgbClr val="00A3E0"/>
-                </a:solidFill>
-                <a:latin typeface="akagi_probook"/>
-              </a:rPr>
-              <a:t>This I believe</a:t>
-            </a:r>
-          </a:p>
-          <a:p>
-            <a:br>
-              <a:rPr lang="en-GB" sz="1200" dirty="0">
-                <a:solidFill>
-                  <a:schemeClr val="bg1"/>
-                </a:solidFill>
-              </a:rPr>
-            </a:br>
-            <a:r>
-              <a:rPr lang="en-GB" sz="1200" dirty="0">
-                <a:solidFill>
-                  <a:schemeClr val="bg1"/>
-                </a:solidFill>
-              </a:rPr>
-              <a:t>CCLI Song # 7018338</a:t>
-            </a:r>
-          </a:p>
-          <a:p>
-            <a:endParaRPr lang="en-GB" sz="1200" dirty="0">
-              <a:solidFill>
-                <a:schemeClr val="bg1"/>
-              </a:solidFill>
-            </a:endParaRPr>
-          </a:p>
-          <a:p>
-            <a:r>
-              <a:rPr lang="en-GB" sz="1200" dirty="0">
-                <a:solidFill>
-                  <a:schemeClr val="bg1"/>
-                </a:solidFill>
-              </a:rPr>
-              <a:t>Ben Fielding | Matt Crocker</a:t>
-            </a:r>
-          </a:p>
-          <a:p>
-            <a:endParaRPr lang="en-GB" sz="1200" dirty="0">
-              <a:solidFill>
-                <a:schemeClr val="bg1"/>
-              </a:solidFill>
-            </a:endParaRPr>
-          </a:p>
-          <a:p>
-            <a:r>
-              <a:rPr lang="en-GB" sz="1200" dirty="0">
-                <a:solidFill>
-                  <a:schemeClr val="bg1"/>
-                </a:solidFill>
-              </a:rPr>
-              <a:t>© 2014 Hillsong Music Publishing Australia (Admin. by Hillsong Music Publishing UK)</a:t>
-            </a:r>
-          </a:p>
-          <a:p>
-            <a:r>
-              <a:rPr lang="en-GB" sz="1200" dirty="0">
-                <a:solidFill>
-                  <a:schemeClr val="bg1"/>
-                </a:solidFill>
-              </a:rPr>
-              <a:t>For use solely with the </a:t>
-            </a:r>
-            <a:r>
-              <a:rPr lang="en-GB" sz="1200" dirty="0" err="1">
-                <a:solidFill>
-                  <a:schemeClr val="bg1"/>
-                </a:solidFill>
-              </a:rPr>
-              <a:t>SongSelect</a:t>
-            </a:r>
-            <a:r>
-              <a:rPr lang="en-GB" sz="1200" dirty="0">
-                <a:solidFill>
-                  <a:schemeClr val="bg1"/>
-                </a:solidFill>
-              </a:rPr>
-              <a:t>® Terms of Use. All rights reserved. www.ccli.com</a:t>
-            </a:r>
-          </a:p>
-          <a:p>
-            <a:endParaRPr lang="en-GB" sz="1200" dirty="0">
-              <a:solidFill>
-                <a:schemeClr val="bg1"/>
-              </a:solidFill>
-            </a:endParaRPr>
-          </a:p>
-          <a:p>
-            <a:r>
-              <a:rPr lang="en-GB" sz="1200" dirty="0">
-                <a:solidFill>
-                  <a:schemeClr val="bg1"/>
-                </a:solidFill>
-              </a:rPr>
-              <a:t>CCLI Licence No. 33265</a:t>
-            </a:r>
-          </a:p>
-        </p:txBody>
-      </p:sp>
-    </p:spTree>
-    <p:extLst>
-      <p:ext uri="{BB962C8B-B14F-4D97-AF65-F5344CB8AC3E}">
-        <p14:creationId xmlns:p14="http://schemas.microsoft.com/office/powerpoint/2010/main" val="1803792671"/>
-      </p:ext>
-    </p:extLst>
-  </p:cSld>
-  <p:clrMapOvr>
-    <a:masterClrMapping/>
-  </p:clrMapOvr>
-</p:sld>
-</file>
-
-<file path=ppt/slides/slide25.xml><?xml version="1.0" encoding="utf-8"?>
-<p:sld xmlns:a="http://schemas.openxmlformats.org/drawingml/2006/main" xmlns:r="http://schemas.openxmlformats.org/officeDocument/2006/relationships" xmlns:p="http://schemas.openxmlformats.org/presentationml/2006/main">
-  <p:cSld>
-    <p:spTree>
-      <p:nvGrpSpPr>
-        <p:cNvPr id="1" name=""/>
-        <p:cNvGrpSpPr/>
-        <p:nvPr/>
-      </p:nvGrpSpPr>
-      <p:grpSpPr>
-        <a:xfrm>
-          <a:off x="0" y="0"/>
-          <a:ext cx="0" cy="0"/>
-          <a:chOff x="0" y="0"/>
-          <a:chExt cx="0" cy="0"/>
-        </a:xfrm>
-      </p:grpSpPr>
-      <p:sp>
-        <p:nvSpPr>
-          <p:cNvPr id="3" name="Subtitle 2"/>
-          <p:cNvSpPr>
-            <a:spLocks noGrp="1"/>
-          </p:cNvSpPr>
-          <p:nvPr>
-            <p:ph type="subTitle" idx="1"/>
-          </p:nvPr>
-        </p:nvSpPr>
-        <p:spPr>
-          <a:xfrm>
-            <a:off x="323528" y="188640"/>
-            <a:ext cx="8640960" cy="6480720"/>
-          </a:xfrm>
-        </p:spPr>
-        <p:txBody>
-          <a:bodyPr>
-            <a:noAutofit/>
-          </a:bodyPr>
-          <a:lstStyle/>
-          <a:p>
-            <a:r>
-              <a:rPr lang="en-GB" sz="4800" dirty="0">
-                <a:solidFill>
-                  <a:schemeClr val="bg1"/>
-                </a:solidFill>
-              </a:rPr>
-              <a:t>Our Father everlasting</a:t>
-            </a:r>
-          </a:p>
-          <a:p>
-            <a:r>
-              <a:rPr lang="en-GB" sz="4800" dirty="0">
-                <a:solidFill>
-                  <a:schemeClr val="bg1"/>
-                </a:solidFill>
-              </a:rPr>
-              <a:t>The all creating One</a:t>
-            </a:r>
-          </a:p>
-          <a:p>
-            <a:r>
-              <a:rPr lang="en-GB" sz="4800" dirty="0">
-                <a:solidFill>
-                  <a:schemeClr val="bg1"/>
-                </a:solidFill>
-              </a:rPr>
-              <a:t>God Almighty</a:t>
-            </a:r>
-          </a:p>
-          <a:p>
-            <a:r>
-              <a:rPr lang="en-GB" sz="4800" dirty="0">
-                <a:solidFill>
-                  <a:schemeClr val="bg1"/>
-                </a:solidFill>
-              </a:rPr>
-              <a:t>Through Your Holy Spirit</a:t>
-            </a:r>
-          </a:p>
-          <a:p>
-            <a:r>
-              <a:rPr lang="en-GB" sz="4800" dirty="0">
-                <a:solidFill>
-                  <a:schemeClr val="bg1"/>
-                </a:solidFill>
-              </a:rPr>
-              <a:t>Conceiving Christ the Son</a:t>
-            </a:r>
-          </a:p>
-          <a:p>
-            <a:r>
-              <a:rPr lang="en-GB" sz="4800" dirty="0">
-                <a:solidFill>
-                  <a:schemeClr val="bg1"/>
-                </a:solidFill>
-              </a:rPr>
-              <a:t>Jesus our Saviour</a:t>
-            </a:r>
-          </a:p>
-        </p:txBody>
-      </p:sp>
-      <p:sp>
-        <p:nvSpPr>
-          <p:cNvPr id="4" name="TextBox 3"/>
-          <p:cNvSpPr txBox="1"/>
-          <p:nvPr/>
-        </p:nvSpPr>
-        <p:spPr>
-          <a:xfrm>
-            <a:off x="8529729" y="0"/>
-            <a:ext cx="628698" cy="461665"/>
-          </a:xfrm>
-          <a:prstGeom prst="rect">
-            <a:avLst/>
-          </a:prstGeom>
-          <a:noFill/>
-        </p:spPr>
-        <p:txBody>
-          <a:bodyPr wrap="none" rtlCol="0">
-            <a:spAutoFit/>
-          </a:bodyPr>
-          <a:lstStyle/>
-          <a:p>
-            <a:r>
-              <a:rPr lang="en-GB" sz="2400" b="1" dirty="0">
-                <a:solidFill>
-                  <a:schemeClr val="bg1"/>
-                </a:solidFill>
-              </a:rPr>
-              <a:t>1/5</a:t>
-            </a:r>
-          </a:p>
-        </p:txBody>
-      </p:sp>
-    </p:spTree>
-    <p:extLst>
-      <p:ext uri="{BB962C8B-B14F-4D97-AF65-F5344CB8AC3E}">
-        <p14:creationId xmlns:p14="http://schemas.microsoft.com/office/powerpoint/2010/main" val="1886626810"/>
-      </p:ext>
-    </p:extLst>
-  </p:cSld>
-  <p:clrMapOvr>
-    <a:masterClrMapping/>
-  </p:clrMapOvr>
-</p:sld>
-</file>
-
-<file path=ppt/slides/slide26.xml><?xml version="1.0" encoding="utf-8"?>
-<p:sld xmlns:a="http://schemas.openxmlformats.org/drawingml/2006/main" xmlns:r="http://schemas.openxmlformats.org/officeDocument/2006/relationships" xmlns:p="http://schemas.openxmlformats.org/presentationml/2006/main">
-  <p:cSld>
-    <p:spTree>
-      <p:nvGrpSpPr>
-        <p:cNvPr id="1" name=""/>
-        <p:cNvGrpSpPr/>
-        <p:nvPr/>
-      </p:nvGrpSpPr>
-      <p:grpSpPr>
-        <a:xfrm>
-          <a:off x="0" y="0"/>
-          <a:ext cx="0" cy="0"/>
-          <a:chOff x="0" y="0"/>
-          <a:chExt cx="0" cy="0"/>
-        </a:xfrm>
-      </p:grpSpPr>
-      <p:sp>
-        <p:nvSpPr>
-          <p:cNvPr id="3" name="Subtitle 2"/>
-          <p:cNvSpPr>
-            <a:spLocks noGrp="1"/>
-          </p:cNvSpPr>
-          <p:nvPr>
-            <p:ph type="subTitle" idx="1"/>
-          </p:nvPr>
-        </p:nvSpPr>
-        <p:spPr>
-          <a:xfrm>
-            <a:off x="323528" y="188640"/>
-            <a:ext cx="8640960" cy="6480720"/>
-          </a:xfrm>
-        </p:spPr>
-        <p:txBody>
-          <a:bodyPr>
-            <a:noAutofit/>
-          </a:bodyPr>
-          <a:lstStyle/>
-          <a:p>
-            <a:r>
-              <a:rPr lang="en-GB" sz="4800" dirty="0">
-                <a:solidFill>
-                  <a:schemeClr val="bg1"/>
-                </a:solidFill>
-              </a:rPr>
-              <a:t>I believe in God our Father</a:t>
-            </a:r>
-          </a:p>
-          <a:p>
-            <a:r>
-              <a:rPr lang="en-GB" sz="4800" dirty="0">
-                <a:solidFill>
-                  <a:schemeClr val="bg1"/>
-                </a:solidFill>
-              </a:rPr>
-              <a:t>I believe in Christ the Son</a:t>
-            </a:r>
-          </a:p>
-          <a:p>
-            <a:r>
-              <a:rPr lang="en-GB" sz="4800" dirty="0">
-                <a:solidFill>
-                  <a:schemeClr val="bg1"/>
-                </a:solidFill>
-              </a:rPr>
-              <a:t>I believe in the Holy Spirit</a:t>
-            </a:r>
-          </a:p>
-          <a:p>
-            <a:r>
-              <a:rPr lang="en-GB" sz="4800" dirty="0">
-                <a:solidFill>
-                  <a:schemeClr val="bg1"/>
-                </a:solidFill>
-              </a:rPr>
-              <a:t>Our God is three in One</a:t>
-            </a:r>
-          </a:p>
-          <a:p>
-            <a:r>
-              <a:rPr lang="en-GB" sz="4800" dirty="0">
-                <a:solidFill>
-                  <a:schemeClr val="bg1"/>
-                </a:solidFill>
-              </a:rPr>
-              <a:t>I believe in the resurrection</a:t>
-            </a:r>
-          </a:p>
-          <a:p>
-            <a:r>
-              <a:rPr lang="en-GB" sz="4800" dirty="0">
-                <a:solidFill>
-                  <a:schemeClr val="bg1"/>
-                </a:solidFill>
-              </a:rPr>
-              <a:t>That we will rise again</a:t>
-            </a:r>
-          </a:p>
-          <a:p>
-            <a:r>
-              <a:rPr lang="en-GB" sz="4800" dirty="0">
-                <a:solidFill>
-                  <a:schemeClr val="bg1"/>
-                </a:solidFill>
-              </a:rPr>
-              <a:t>For I believe in the Name of Jesus</a:t>
-            </a:r>
-          </a:p>
-        </p:txBody>
-      </p:sp>
-      <p:sp>
-        <p:nvSpPr>
-          <p:cNvPr id="4" name="TextBox 3"/>
-          <p:cNvSpPr txBox="1"/>
-          <p:nvPr/>
-        </p:nvSpPr>
-        <p:spPr>
-          <a:xfrm>
-            <a:off x="8529729" y="0"/>
-            <a:ext cx="628698" cy="461665"/>
-          </a:xfrm>
-          <a:prstGeom prst="rect">
-            <a:avLst/>
-          </a:prstGeom>
-          <a:noFill/>
-        </p:spPr>
-        <p:txBody>
-          <a:bodyPr wrap="none" rtlCol="0">
-            <a:spAutoFit/>
-          </a:bodyPr>
-          <a:lstStyle/>
-          <a:p>
-            <a:r>
-              <a:rPr lang="en-GB" sz="2400" b="1" dirty="0">
-                <a:solidFill>
-                  <a:schemeClr val="bg1"/>
-                </a:solidFill>
-              </a:rPr>
-              <a:t>2/5</a:t>
-            </a:r>
-          </a:p>
-        </p:txBody>
-      </p:sp>
-    </p:spTree>
-    <p:extLst>
-      <p:ext uri="{BB962C8B-B14F-4D97-AF65-F5344CB8AC3E}">
-        <p14:creationId xmlns:p14="http://schemas.microsoft.com/office/powerpoint/2010/main" val="3206384552"/>
-      </p:ext>
-    </p:extLst>
-  </p:cSld>
-  <p:clrMapOvr>
-    <a:masterClrMapping/>
-  </p:clrMapOvr>
-</p:sld>
-</file>
-
-<file path=ppt/slides/slide27.xml><?xml version="1.0" encoding="utf-8"?>
-<p:sld xmlns:a="http://schemas.openxmlformats.org/drawingml/2006/main" xmlns:r="http://schemas.openxmlformats.org/officeDocument/2006/relationships" xmlns:p="http://schemas.openxmlformats.org/presentationml/2006/main">
-  <p:cSld>
-    <p:spTree>
-      <p:nvGrpSpPr>
-        <p:cNvPr id="1" name=""/>
-        <p:cNvGrpSpPr/>
-        <p:nvPr/>
-      </p:nvGrpSpPr>
-      <p:grpSpPr>
-        <a:xfrm>
-          <a:off x="0" y="0"/>
-          <a:ext cx="0" cy="0"/>
-          <a:chOff x="0" y="0"/>
-          <a:chExt cx="0" cy="0"/>
-        </a:xfrm>
-      </p:grpSpPr>
-      <p:sp>
-        <p:nvSpPr>
-          <p:cNvPr id="3" name="Subtitle 2"/>
-          <p:cNvSpPr>
-            <a:spLocks noGrp="1"/>
-          </p:cNvSpPr>
-          <p:nvPr>
-            <p:ph type="subTitle" idx="1"/>
-          </p:nvPr>
-        </p:nvSpPr>
-        <p:spPr>
-          <a:xfrm>
-            <a:off x="323528" y="188640"/>
-            <a:ext cx="8640960" cy="6480720"/>
-          </a:xfrm>
-        </p:spPr>
-        <p:txBody>
-          <a:bodyPr>
-            <a:noAutofit/>
-          </a:bodyPr>
-          <a:lstStyle/>
-          <a:p>
-            <a:r>
-              <a:rPr lang="en-GB" sz="4800" dirty="0">
-                <a:solidFill>
-                  <a:schemeClr val="bg1"/>
-                </a:solidFill>
-              </a:rPr>
-              <a:t>Our judge and our defender</a:t>
-            </a:r>
-          </a:p>
-          <a:p>
-            <a:r>
-              <a:rPr lang="en-GB" sz="4800" dirty="0">
-                <a:solidFill>
-                  <a:schemeClr val="bg1"/>
-                </a:solidFill>
-              </a:rPr>
-              <a:t>Suffered and crucified</a:t>
-            </a:r>
-          </a:p>
-          <a:p>
-            <a:r>
-              <a:rPr lang="en-GB" sz="4800" dirty="0">
-                <a:solidFill>
-                  <a:schemeClr val="bg1"/>
-                </a:solidFill>
-              </a:rPr>
-              <a:t>Forgiveness is in You</a:t>
-            </a:r>
-          </a:p>
-          <a:p>
-            <a:r>
-              <a:rPr lang="en-GB" sz="4800" dirty="0">
-                <a:solidFill>
-                  <a:schemeClr val="bg1"/>
-                </a:solidFill>
-              </a:rPr>
-              <a:t>Descended into darkness</a:t>
-            </a:r>
-          </a:p>
-          <a:p>
-            <a:r>
-              <a:rPr lang="en-GB" sz="4800" dirty="0">
-                <a:solidFill>
-                  <a:schemeClr val="bg1"/>
-                </a:solidFill>
-              </a:rPr>
-              <a:t>You rose in glorious life</a:t>
-            </a:r>
-          </a:p>
-          <a:p>
-            <a:r>
-              <a:rPr lang="en-GB" sz="4800" dirty="0">
-                <a:solidFill>
-                  <a:schemeClr val="bg1"/>
-                </a:solidFill>
-              </a:rPr>
-              <a:t>Forever seated high</a:t>
-            </a:r>
-          </a:p>
-        </p:txBody>
-      </p:sp>
-      <p:sp>
-        <p:nvSpPr>
-          <p:cNvPr id="4" name="TextBox 3"/>
-          <p:cNvSpPr txBox="1"/>
-          <p:nvPr/>
-        </p:nvSpPr>
-        <p:spPr>
-          <a:xfrm>
-            <a:off x="8529729" y="0"/>
-            <a:ext cx="628698" cy="461665"/>
-          </a:xfrm>
-          <a:prstGeom prst="rect">
-            <a:avLst/>
-          </a:prstGeom>
-          <a:noFill/>
-        </p:spPr>
-        <p:txBody>
-          <a:bodyPr wrap="none" rtlCol="0">
-            <a:spAutoFit/>
-          </a:bodyPr>
-          <a:lstStyle/>
-          <a:p>
-            <a:r>
-              <a:rPr lang="en-GB" sz="2400" b="1" dirty="0">
-                <a:solidFill>
-                  <a:schemeClr val="bg1"/>
-                </a:solidFill>
-              </a:rPr>
-              <a:t>3/5</a:t>
-            </a:r>
-          </a:p>
-        </p:txBody>
-      </p:sp>
-    </p:spTree>
-    <p:extLst>
-      <p:ext uri="{BB962C8B-B14F-4D97-AF65-F5344CB8AC3E}">
-        <p14:creationId xmlns:p14="http://schemas.microsoft.com/office/powerpoint/2010/main" val="1590667920"/>
-      </p:ext>
-    </p:extLst>
-  </p:cSld>
-  <p:clrMapOvr>
-    <a:masterClrMapping/>
-  </p:clrMapOvr>
-</p:sld>
-</file>
-
-<file path=ppt/slides/slide28.xml><?xml version="1.0" encoding="utf-8"?>
-<p:sld xmlns:a="http://schemas.openxmlformats.org/drawingml/2006/main" xmlns:r="http://schemas.openxmlformats.org/officeDocument/2006/relationships" xmlns:p="http://schemas.openxmlformats.org/presentationml/2006/main">
-  <p:cSld>
-    <p:spTree>
-      <p:nvGrpSpPr>
-        <p:cNvPr id="1" name=""/>
-        <p:cNvGrpSpPr/>
-        <p:nvPr/>
-      </p:nvGrpSpPr>
-      <p:grpSpPr>
-        <a:xfrm>
-          <a:off x="0" y="0"/>
-          <a:ext cx="0" cy="0"/>
-          <a:chOff x="0" y="0"/>
-          <a:chExt cx="0" cy="0"/>
-        </a:xfrm>
-      </p:grpSpPr>
-      <p:sp>
-        <p:nvSpPr>
-          <p:cNvPr id="3" name="Subtitle 2"/>
-          <p:cNvSpPr>
-            <a:spLocks noGrp="1"/>
-          </p:cNvSpPr>
-          <p:nvPr>
-            <p:ph type="subTitle" idx="1"/>
-          </p:nvPr>
-        </p:nvSpPr>
-        <p:spPr>
-          <a:xfrm>
-            <a:off x="323528" y="188640"/>
-            <a:ext cx="8640960" cy="6480720"/>
-          </a:xfrm>
-        </p:spPr>
-        <p:txBody>
-          <a:bodyPr>
-            <a:noAutofit/>
-          </a:bodyPr>
-          <a:lstStyle/>
-          <a:p>
-            <a:r>
-              <a:rPr lang="en-GB" sz="4800" dirty="0">
-                <a:solidFill>
-                  <a:schemeClr val="bg1"/>
-                </a:solidFill>
-              </a:rPr>
-              <a:t>I believe in You</a:t>
-            </a:r>
-          </a:p>
-          <a:p>
-            <a:r>
-              <a:rPr lang="en-GB" sz="4800" dirty="0">
-                <a:solidFill>
-                  <a:schemeClr val="bg1"/>
-                </a:solidFill>
-              </a:rPr>
-              <a:t>I believe You rose again</a:t>
-            </a:r>
-          </a:p>
-          <a:p>
-            <a:r>
-              <a:rPr lang="en-GB" sz="4800" dirty="0">
-                <a:solidFill>
-                  <a:schemeClr val="bg1"/>
-                </a:solidFill>
-              </a:rPr>
-              <a:t>I believe that Jesus Christ is Lord</a:t>
-            </a:r>
-          </a:p>
-        </p:txBody>
-      </p:sp>
-      <p:sp>
-        <p:nvSpPr>
-          <p:cNvPr id="4" name="TextBox 3"/>
-          <p:cNvSpPr txBox="1"/>
-          <p:nvPr/>
-        </p:nvSpPr>
-        <p:spPr>
-          <a:xfrm>
-            <a:off x="8529729" y="0"/>
-            <a:ext cx="628698" cy="461665"/>
-          </a:xfrm>
-          <a:prstGeom prst="rect">
-            <a:avLst/>
-          </a:prstGeom>
-          <a:noFill/>
-        </p:spPr>
-        <p:txBody>
-          <a:bodyPr wrap="none" rtlCol="0">
-            <a:spAutoFit/>
-          </a:bodyPr>
-          <a:lstStyle/>
-          <a:p>
-            <a:r>
-              <a:rPr lang="en-GB" sz="2400" b="1" dirty="0">
-                <a:solidFill>
-                  <a:schemeClr val="bg1"/>
-                </a:solidFill>
-              </a:rPr>
-              <a:t>4/5</a:t>
-            </a:r>
-          </a:p>
-        </p:txBody>
-      </p:sp>
-    </p:spTree>
-    <p:extLst>
-      <p:ext uri="{BB962C8B-B14F-4D97-AF65-F5344CB8AC3E}">
-        <p14:creationId xmlns:p14="http://schemas.microsoft.com/office/powerpoint/2010/main" val="3481735550"/>
-      </p:ext>
-    </p:extLst>
-  </p:cSld>
-  <p:clrMapOvr>
-    <a:masterClrMapping/>
-  </p:clrMapOvr>
-</p:sld>
-</file>
-
 <file path=ppt/slides/slide29.xml><?xml version="1.0" encoding="utf-8"?>
 <p:sld xmlns:a="http://schemas.openxmlformats.org/drawingml/2006/main" xmlns:r="http://schemas.openxmlformats.org/officeDocument/2006/relationships" xmlns:p="http://schemas.openxmlformats.org/presentationml/2006/main">
   <p:cSld>
@@ -6414,106 +6410,116 @@
           </a:bodyPr>
           <a:lstStyle/>
           <a:p>
-            <a:r>
-              <a:rPr lang="en-GB" sz="4800" dirty="0">
-                <a:solidFill>
-                  <a:schemeClr val="bg1"/>
-                </a:solidFill>
-              </a:rPr>
-              <a:t>I believe in life eternal</a:t>
-            </a:r>
-          </a:p>
-          <a:p>
-            <a:r>
-              <a:rPr lang="en-GB" sz="4800" dirty="0">
-                <a:solidFill>
-                  <a:schemeClr val="bg1"/>
-                </a:solidFill>
-              </a:rPr>
-              <a:t>I believe in the virgin birth</a:t>
-            </a:r>
-          </a:p>
-          <a:p>
-            <a:r>
-              <a:rPr lang="en-GB" sz="4800" dirty="0">
-                <a:solidFill>
-                  <a:schemeClr val="bg1"/>
-                </a:solidFill>
-              </a:rPr>
-              <a:t>I believe in the saints' communion</a:t>
-            </a:r>
-          </a:p>
-          <a:p>
-            <a:r>
-              <a:rPr lang="en-GB" sz="4800" dirty="0">
-                <a:solidFill>
-                  <a:schemeClr val="bg1"/>
-                </a:solidFill>
-              </a:rPr>
-              <a:t>And in Your holy Church</a:t>
-            </a:r>
-          </a:p>
-          <a:p>
-            <a:r>
-              <a:rPr lang="en-GB" sz="4800" dirty="0">
-                <a:solidFill>
-                  <a:schemeClr val="bg1"/>
-                </a:solidFill>
-              </a:rPr>
-              <a:t>I believe in the resurrection</a:t>
-            </a:r>
-          </a:p>
-          <a:p>
-            <a:r>
-              <a:rPr lang="en-GB" sz="4800" dirty="0">
-                <a:solidFill>
-                  <a:schemeClr val="bg1"/>
-                </a:solidFill>
-              </a:rPr>
-              <a:t>When Jesus comes again</a:t>
-            </a:r>
-          </a:p>
-          <a:p>
-            <a:r>
-              <a:rPr lang="en-GB" sz="4800" dirty="0">
-                <a:solidFill>
-                  <a:schemeClr val="bg1"/>
-                </a:solidFill>
-              </a:rPr>
-              <a:t>For I believe in the Name of Jesus</a:t>
-            </a:r>
-          </a:p>
-        </p:txBody>
-      </p:sp>
-      <p:sp>
-        <p:nvSpPr>
-          <p:cNvPr id="4" name="TextBox 3"/>
-          <p:cNvSpPr txBox="1"/>
-          <p:nvPr/>
-        </p:nvSpPr>
-        <p:spPr>
-          <a:xfrm>
-            <a:off x="8529729" y="0"/>
-            <a:ext cx="628698" cy="461665"/>
-          </a:xfrm>
-          <a:prstGeom prst="rect">
-            <a:avLst/>
-          </a:prstGeom>
-          <a:noFill/>
-        </p:spPr>
-        <p:txBody>
-          <a:bodyPr wrap="none" rtlCol="0">
-            <a:spAutoFit/>
-          </a:bodyPr>
-          <a:lstStyle/>
-          <a:p>
-            <a:r>
-              <a:rPr lang="en-GB" sz="2400" b="1" dirty="0">
-                <a:solidFill>
-                  <a:schemeClr val="bg1"/>
-                </a:solidFill>
-              </a:rPr>
-              <a:t>5/5</a:t>
+            <a:endParaRPr lang="en-GB" sz="6600" dirty="0">
+              <a:solidFill>
+                <a:srgbClr val="00A3E0"/>
+              </a:solidFill>
+              <a:latin typeface="akagi_probook"/>
+            </a:endParaRPr>
+          </a:p>
+          <a:p>
+            <a:r>
+              <a:rPr lang="en-GB" sz="6600" dirty="0">
+                <a:solidFill>
+                  <a:srgbClr val="00A3E0"/>
+                </a:solidFill>
+                <a:latin typeface="akagi_probook"/>
+              </a:rPr>
+              <a:t>This I believe</a:t>
+            </a:r>
+          </a:p>
+          <a:p>
+            <a:br>
+              <a:rPr lang="en-GB" sz="1200" dirty="0">
+                <a:solidFill>
+                  <a:schemeClr val="bg1"/>
+                </a:solidFill>
+              </a:rPr>
+            </a:br>
+            <a:r>
+              <a:rPr lang="en-GB" sz="1200" dirty="0">
+                <a:solidFill>
+                  <a:schemeClr val="bg1"/>
+                </a:solidFill>
+              </a:rPr>
+              <a:t>CCLI Song # 7018338</a:t>
+            </a:r>
+          </a:p>
+          <a:p>
+            <a:endParaRPr lang="en-GB" sz="1200" dirty="0">
+              <a:solidFill>
+                <a:schemeClr val="bg1"/>
+              </a:solidFill>
+            </a:endParaRPr>
+          </a:p>
+          <a:p>
+            <a:r>
+              <a:rPr lang="en-GB" sz="1200" dirty="0">
+                <a:solidFill>
+                  <a:schemeClr val="bg1"/>
+                </a:solidFill>
+              </a:rPr>
+              <a:t>Ben Fielding | Matt Crocker</a:t>
+            </a:r>
+          </a:p>
+          <a:p>
+            <a:endParaRPr lang="en-GB" sz="1200" dirty="0">
+              <a:solidFill>
+                <a:schemeClr val="bg1"/>
+              </a:solidFill>
+            </a:endParaRPr>
+          </a:p>
+          <a:p>
+            <a:r>
+              <a:rPr lang="en-GB" sz="1200" dirty="0">
+                <a:solidFill>
+                  <a:schemeClr val="bg1"/>
+                </a:solidFill>
+              </a:rPr>
+              <a:t>© 2014 Hillsong Music Publishing Australia (Admin. by Hillsong Music Publishing UK)</a:t>
+            </a:r>
+          </a:p>
+          <a:p>
+            <a:r>
+              <a:rPr lang="en-GB" sz="1200" dirty="0">
+                <a:solidFill>
+                  <a:schemeClr val="bg1"/>
+                </a:solidFill>
+              </a:rPr>
+              <a:t>For use solely with the </a:t>
+            </a:r>
+            <a:r>
+              <a:rPr lang="en-GB" sz="1200" dirty="0" err="1">
+                <a:solidFill>
+                  <a:schemeClr val="bg1"/>
+                </a:solidFill>
+              </a:rPr>
+              <a:t>SongSelect</a:t>
+            </a:r>
+            <a:r>
+              <a:rPr lang="en-GB" sz="1200" dirty="0">
+                <a:solidFill>
+                  <a:schemeClr val="bg1"/>
+                </a:solidFill>
+              </a:rPr>
+              <a:t>® Terms of Use. All rights reserved. www.ccli.com</a:t>
+            </a:r>
+          </a:p>
+          <a:p>
+            <a:endParaRPr lang="en-GB" sz="1200" dirty="0">
+              <a:solidFill>
+                <a:schemeClr val="bg1"/>
+              </a:solidFill>
+            </a:endParaRPr>
+          </a:p>
+          <a:p>
+            <a:r>
+              <a:rPr lang="en-GB" sz="1200" dirty="0">
+                <a:solidFill>
+                  <a:schemeClr val="bg1"/>
+                </a:solidFill>
+              </a:rPr>
+              <a:t>CCLI Licence No. 33265</a:t>
             </a:r>
           </a:p>
         </p:txBody>
@@ -6521,7 +6527,7 @@
     </p:spTree>
     <p:extLst>
       <p:ext uri="{BB962C8B-B14F-4D97-AF65-F5344CB8AC3E}">
-        <p14:creationId xmlns:p14="http://schemas.microsoft.com/office/powerpoint/2010/main" val="698737962"/>
+        <p14:creationId xmlns:p14="http://schemas.microsoft.com/office/powerpoint/2010/main" val="1803792671"/>
       </p:ext>
     </p:extLst>
   </p:cSld>
@@ -6648,6 +6654,726 @@
     <p:extLst>
       <p:ext uri="{BB962C8B-B14F-4D97-AF65-F5344CB8AC3E}">
         <p14:creationId xmlns:p14="http://schemas.microsoft.com/office/powerpoint/2010/main" val="3985050235"/>
+      </p:ext>
+    </p:extLst>
+  </p:cSld>
+  <p:clrMapOvr>
+    <a:masterClrMapping/>
+  </p:clrMapOvr>
+</p:sld>
+</file>
+
+<file path=ppt/slides/slide30.xml><?xml version="1.0" encoding="utf-8"?>
+<p:sld xmlns:a="http://schemas.openxmlformats.org/drawingml/2006/main" xmlns:r="http://schemas.openxmlformats.org/officeDocument/2006/relationships" xmlns:p="http://schemas.openxmlformats.org/presentationml/2006/main">
+  <p:cSld>
+    <p:spTree>
+      <p:nvGrpSpPr>
+        <p:cNvPr id="1" name=""/>
+        <p:cNvGrpSpPr/>
+        <p:nvPr/>
+      </p:nvGrpSpPr>
+      <p:grpSpPr>
+        <a:xfrm>
+          <a:off x="0" y="0"/>
+          <a:ext cx="0" cy="0"/>
+          <a:chOff x="0" y="0"/>
+          <a:chExt cx="0" cy="0"/>
+        </a:xfrm>
+      </p:grpSpPr>
+      <p:sp>
+        <p:nvSpPr>
+          <p:cNvPr id="3" name="Subtitle 2"/>
+          <p:cNvSpPr>
+            <a:spLocks noGrp="1"/>
+          </p:cNvSpPr>
+          <p:nvPr>
+            <p:ph type="subTitle" idx="1"/>
+          </p:nvPr>
+        </p:nvSpPr>
+        <p:spPr>
+          <a:xfrm>
+            <a:off x="323528" y="188640"/>
+            <a:ext cx="8640960" cy="6480720"/>
+          </a:xfrm>
+        </p:spPr>
+        <p:txBody>
+          <a:bodyPr>
+            <a:noAutofit/>
+          </a:bodyPr>
+          <a:lstStyle/>
+          <a:p>
+            <a:r>
+              <a:rPr lang="en-GB" sz="4800" dirty="0">
+                <a:solidFill>
+                  <a:schemeClr val="bg1"/>
+                </a:solidFill>
+              </a:rPr>
+              <a:t>Our Father everlasting</a:t>
+            </a:r>
+          </a:p>
+          <a:p>
+            <a:r>
+              <a:rPr lang="en-GB" sz="4800" dirty="0">
+                <a:solidFill>
+                  <a:schemeClr val="bg1"/>
+                </a:solidFill>
+              </a:rPr>
+              <a:t>The all creating One</a:t>
+            </a:r>
+          </a:p>
+          <a:p>
+            <a:r>
+              <a:rPr lang="en-GB" sz="4800" dirty="0">
+                <a:solidFill>
+                  <a:schemeClr val="bg1"/>
+                </a:solidFill>
+              </a:rPr>
+              <a:t>God Almighty</a:t>
+            </a:r>
+          </a:p>
+          <a:p>
+            <a:r>
+              <a:rPr lang="en-GB" sz="4800" dirty="0">
+                <a:solidFill>
+                  <a:schemeClr val="bg1"/>
+                </a:solidFill>
+              </a:rPr>
+              <a:t>Through Your Holy Spirit</a:t>
+            </a:r>
+          </a:p>
+          <a:p>
+            <a:r>
+              <a:rPr lang="en-GB" sz="4800" dirty="0">
+                <a:solidFill>
+                  <a:schemeClr val="bg1"/>
+                </a:solidFill>
+              </a:rPr>
+              <a:t>Conceiving Christ the Son</a:t>
+            </a:r>
+          </a:p>
+          <a:p>
+            <a:r>
+              <a:rPr lang="en-GB" sz="4800" dirty="0">
+                <a:solidFill>
+                  <a:schemeClr val="bg1"/>
+                </a:solidFill>
+              </a:rPr>
+              <a:t>Jesus our Saviour</a:t>
+            </a:r>
+          </a:p>
+        </p:txBody>
+      </p:sp>
+      <p:sp>
+        <p:nvSpPr>
+          <p:cNvPr id="4" name="TextBox 3"/>
+          <p:cNvSpPr txBox="1"/>
+          <p:nvPr/>
+        </p:nvSpPr>
+        <p:spPr>
+          <a:xfrm>
+            <a:off x="8529729" y="0"/>
+            <a:ext cx="628698" cy="461665"/>
+          </a:xfrm>
+          <a:prstGeom prst="rect">
+            <a:avLst/>
+          </a:prstGeom>
+          <a:noFill/>
+        </p:spPr>
+        <p:txBody>
+          <a:bodyPr wrap="none" rtlCol="0">
+            <a:spAutoFit/>
+          </a:bodyPr>
+          <a:lstStyle/>
+          <a:p>
+            <a:r>
+              <a:rPr lang="en-GB" sz="2400" b="1" dirty="0">
+                <a:solidFill>
+                  <a:schemeClr val="bg1"/>
+                </a:solidFill>
+              </a:rPr>
+              <a:t>1/5</a:t>
+            </a:r>
+          </a:p>
+        </p:txBody>
+      </p:sp>
+    </p:spTree>
+    <p:extLst>
+      <p:ext uri="{BB962C8B-B14F-4D97-AF65-F5344CB8AC3E}">
+        <p14:creationId xmlns:p14="http://schemas.microsoft.com/office/powerpoint/2010/main" val="1886626810"/>
+      </p:ext>
+    </p:extLst>
+  </p:cSld>
+  <p:clrMapOvr>
+    <a:masterClrMapping/>
+  </p:clrMapOvr>
+</p:sld>
+</file>
+
+<file path=ppt/slides/slide31.xml><?xml version="1.0" encoding="utf-8"?>
+<p:sld xmlns:a="http://schemas.openxmlformats.org/drawingml/2006/main" xmlns:r="http://schemas.openxmlformats.org/officeDocument/2006/relationships" xmlns:p="http://schemas.openxmlformats.org/presentationml/2006/main">
+  <p:cSld>
+    <p:spTree>
+      <p:nvGrpSpPr>
+        <p:cNvPr id="1" name=""/>
+        <p:cNvGrpSpPr/>
+        <p:nvPr/>
+      </p:nvGrpSpPr>
+      <p:grpSpPr>
+        <a:xfrm>
+          <a:off x="0" y="0"/>
+          <a:ext cx="0" cy="0"/>
+          <a:chOff x="0" y="0"/>
+          <a:chExt cx="0" cy="0"/>
+        </a:xfrm>
+      </p:grpSpPr>
+      <p:sp>
+        <p:nvSpPr>
+          <p:cNvPr id="3" name="Subtitle 2"/>
+          <p:cNvSpPr>
+            <a:spLocks noGrp="1"/>
+          </p:cNvSpPr>
+          <p:nvPr>
+            <p:ph type="subTitle" idx="1"/>
+          </p:nvPr>
+        </p:nvSpPr>
+        <p:spPr>
+          <a:xfrm>
+            <a:off x="323528" y="188640"/>
+            <a:ext cx="8640960" cy="6480720"/>
+          </a:xfrm>
+        </p:spPr>
+        <p:txBody>
+          <a:bodyPr>
+            <a:noAutofit/>
+          </a:bodyPr>
+          <a:lstStyle/>
+          <a:p>
+            <a:r>
+              <a:rPr lang="en-GB" sz="4800" dirty="0">
+                <a:solidFill>
+                  <a:schemeClr val="bg1"/>
+                </a:solidFill>
+              </a:rPr>
+              <a:t>I believe in God our Father</a:t>
+            </a:r>
+          </a:p>
+          <a:p>
+            <a:r>
+              <a:rPr lang="en-GB" sz="4800" dirty="0">
+                <a:solidFill>
+                  <a:schemeClr val="bg1"/>
+                </a:solidFill>
+              </a:rPr>
+              <a:t>I believe in Christ the Son</a:t>
+            </a:r>
+          </a:p>
+          <a:p>
+            <a:r>
+              <a:rPr lang="en-GB" sz="4800" dirty="0">
+                <a:solidFill>
+                  <a:schemeClr val="bg1"/>
+                </a:solidFill>
+              </a:rPr>
+              <a:t>I believe in the Holy Spirit</a:t>
+            </a:r>
+          </a:p>
+          <a:p>
+            <a:r>
+              <a:rPr lang="en-GB" sz="4800" dirty="0">
+                <a:solidFill>
+                  <a:schemeClr val="bg1"/>
+                </a:solidFill>
+              </a:rPr>
+              <a:t>Our God is three in One</a:t>
+            </a:r>
+          </a:p>
+          <a:p>
+            <a:r>
+              <a:rPr lang="en-GB" sz="4800" dirty="0">
+                <a:solidFill>
+                  <a:schemeClr val="bg1"/>
+                </a:solidFill>
+              </a:rPr>
+              <a:t>I believe in the resurrection</a:t>
+            </a:r>
+          </a:p>
+          <a:p>
+            <a:r>
+              <a:rPr lang="en-GB" sz="4800" dirty="0">
+                <a:solidFill>
+                  <a:schemeClr val="bg1"/>
+                </a:solidFill>
+              </a:rPr>
+              <a:t>That we will rise again</a:t>
+            </a:r>
+          </a:p>
+          <a:p>
+            <a:r>
+              <a:rPr lang="en-GB" sz="4800" dirty="0">
+                <a:solidFill>
+                  <a:schemeClr val="bg1"/>
+                </a:solidFill>
+              </a:rPr>
+              <a:t>For I believe in the Name of Jesus</a:t>
+            </a:r>
+          </a:p>
+        </p:txBody>
+      </p:sp>
+      <p:sp>
+        <p:nvSpPr>
+          <p:cNvPr id="4" name="TextBox 3"/>
+          <p:cNvSpPr txBox="1"/>
+          <p:nvPr/>
+        </p:nvSpPr>
+        <p:spPr>
+          <a:xfrm>
+            <a:off x="8529729" y="0"/>
+            <a:ext cx="628698" cy="461665"/>
+          </a:xfrm>
+          <a:prstGeom prst="rect">
+            <a:avLst/>
+          </a:prstGeom>
+          <a:noFill/>
+        </p:spPr>
+        <p:txBody>
+          <a:bodyPr wrap="none" rtlCol="0">
+            <a:spAutoFit/>
+          </a:bodyPr>
+          <a:lstStyle/>
+          <a:p>
+            <a:r>
+              <a:rPr lang="en-GB" sz="2400" b="1" dirty="0">
+                <a:solidFill>
+                  <a:schemeClr val="bg1"/>
+                </a:solidFill>
+              </a:rPr>
+              <a:t>2/5</a:t>
+            </a:r>
+          </a:p>
+        </p:txBody>
+      </p:sp>
+    </p:spTree>
+    <p:extLst>
+      <p:ext uri="{BB962C8B-B14F-4D97-AF65-F5344CB8AC3E}">
+        <p14:creationId xmlns:p14="http://schemas.microsoft.com/office/powerpoint/2010/main" val="3206384552"/>
+      </p:ext>
+    </p:extLst>
+  </p:cSld>
+  <p:clrMapOvr>
+    <a:masterClrMapping/>
+  </p:clrMapOvr>
+</p:sld>
+</file>
+
+<file path=ppt/slides/slide32.xml><?xml version="1.0" encoding="utf-8"?>
+<p:sld xmlns:a="http://schemas.openxmlformats.org/drawingml/2006/main" xmlns:r="http://schemas.openxmlformats.org/officeDocument/2006/relationships" xmlns:p="http://schemas.openxmlformats.org/presentationml/2006/main">
+  <p:cSld>
+    <p:spTree>
+      <p:nvGrpSpPr>
+        <p:cNvPr id="1" name=""/>
+        <p:cNvGrpSpPr/>
+        <p:nvPr/>
+      </p:nvGrpSpPr>
+      <p:grpSpPr>
+        <a:xfrm>
+          <a:off x="0" y="0"/>
+          <a:ext cx="0" cy="0"/>
+          <a:chOff x="0" y="0"/>
+          <a:chExt cx="0" cy="0"/>
+        </a:xfrm>
+      </p:grpSpPr>
+      <p:sp>
+        <p:nvSpPr>
+          <p:cNvPr id="3" name="Subtitle 2"/>
+          <p:cNvSpPr>
+            <a:spLocks noGrp="1"/>
+          </p:cNvSpPr>
+          <p:nvPr>
+            <p:ph type="subTitle" idx="1"/>
+          </p:nvPr>
+        </p:nvSpPr>
+        <p:spPr>
+          <a:xfrm>
+            <a:off x="323528" y="188640"/>
+            <a:ext cx="8640960" cy="6480720"/>
+          </a:xfrm>
+        </p:spPr>
+        <p:txBody>
+          <a:bodyPr>
+            <a:noAutofit/>
+          </a:bodyPr>
+          <a:lstStyle/>
+          <a:p>
+            <a:r>
+              <a:rPr lang="en-GB" sz="4800" dirty="0">
+                <a:solidFill>
+                  <a:schemeClr val="bg1"/>
+                </a:solidFill>
+              </a:rPr>
+              <a:t>Our judge and our defender</a:t>
+            </a:r>
+          </a:p>
+          <a:p>
+            <a:r>
+              <a:rPr lang="en-GB" sz="4800" dirty="0">
+                <a:solidFill>
+                  <a:schemeClr val="bg1"/>
+                </a:solidFill>
+              </a:rPr>
+              <a:t>Suffered and crucified</a:t>
+            </a:r>
+          </a:p>
+          <a:p>
+            <a:r>
+              <a:rPr lang="en-GB" sz="4800" dirty="0">
+                <a:solidFill>
+                  <a:schemeClr val="bg1"/>
+                </a:solidFill>
+              </a:rPr>
+              <a:t>Forgiveness is in You</a:t>
+            </a:r>
+          </a:p>
+          <a:p>
+            <a:r>
+              <a:rPr lang="en-GB" sz="4800" dirty="0">
+                <a:solidFill>
+                  <a:schemeClr val="bg1"/>
+                </a:solidFill>
+              </a:rPr>
+              <a:t>Descended into darkness</a:t>
+            </a:r>
+          </a:p>
+          <a:p>
+            <a:r>
+              <a:rPr lang="en-GB" sz="4800" dirty="0">
+                <a:solidFill>
+                  <a:schemeClr val="bg1"/>
+                </a:solidFill>
+              </a:rPr>
+              <a:t>You rose in glorious life</a:t>
+            </a:r>
+          </a:p>
+          <a:p>
+            <a:r>
+              <a:rPr lang="en-GB" sz="4800" dirty="0">
+                <a:solidFill>
+                  <a:schemeClr val="bg1"/>
+                </a:solidFill>
+              </a:rPr>
+              <a:t>Forever seated high</a:t>
+            </a:r>
+          </a:p>
+        </p:txBody>
+      </p:sp>
+      <p:sp>
+        <p:nvSpPr>
+          <p:cNvPr id="4" name="TextBox 3"/>
+          <p:cNvSpPr txBox="1"/>
+          <p:nvPr/>
+        </p:nvSpPr>
+        <p:spPr>
+          <a:xfrm>
+            <a:off x="8529729" y="0"/>
+            <a:ext cx="628698" cy="461665"/>
+          </a:xfrm>
+          <a:prstGeom prst="rect">
+            <a:avLst/>
+          </a:prstGeom>
+          <a:noFill/>
+        </p:spPr>
+        <p:txBody>
+          <a:bodyPr wrap="none" rtlCol="0">
+            <a:spAutoFit/>
+          </a:bodyPr>
+          <a:lstStyle/>
+          <a:p>
+            <a:r>
+              <a:rPr lang="en-GB" sz="2400" b="1" dirty="0">
+                <a:solidFill>
+                  <a:schemeClr val="bg1"/>
+                </a:solidFill>
+              </a:rPr>
+              <a:t>3/5</a:t>
+            </a:r>
+          </a:p>
+        </p:txBody>
+      </p:sp>
+    </p:spTree>
+    <p:extLst>
+      <p:ext uri="{BB962C8B-B14F-4D97-AF65-F5344CB8AC3E}">
+        <p14:creationId xmlns:p14="http://schemas.microsoft.com/office/powerpoint/2010/main" val="1590667920"/>
+      </p:ext>
+    </p:extLst>
+  </p:cSld>
+  <p:clrMapOvr>
+    <a:masterClrMapping/>
+  </p:clrMapOvr>
+</p:sld>
+</file>
+
+<file path=ppt/slides/slide33.xml><?xml version="1.0" encoding="utf-8"?>
+<p:sld xmlns:a="http://schemas.openxmlformats.org/drawingml/2006/main" xmlns:r="http://schemas.openxmlformats.org/officeDocument/2006/relationships" xmlns:p="http://schemas.openxmlformats.org/presentationml/2006/main">
+  <p:cSld>
+    <p:spTree>
+      <p:nvGrpSpPr>
+        <p:cNvPr id="1" name=""/>
+        <p:cNvGrpSpPr/>
+        <p:nvPr/>
+      </p:nvGrpSpPr>
+      <p:grpSpPr>
+        <a:xfrm>
+          <a:off x="0" y="0"/>
+          <a:ext cx="0" cy="0"/>
+          <a:chOff x="0" y="0"/>
+          <a:chExt cx="0" cy="0"/>
+        </a:xfrm>
+      </p:grpSpPr>
+      <p:sp>
+        <p:nvSpPr>
+          <p:cNvPr id="3" name="Subtitle 2"/>
+          <p:cNvSpPr>
+            <a:spLocks noGrp="1"/>
+          </p:cNvSpPr>
+          <p:nvPr>
+            <p:ph type="subTitle" idx="1"/>
+          </p:nvPr>
+        </p:nvSpPr>
+        <p:spPr>
+          <a:xfrm>
+            <a:off x="323528" y="188640"/>
+            <a:ext cx="8640960" cy="6480720"/>
+          </a:xfrm>
+        </p:spPr>
+        <p:txBody>
+          <a:bodyPr>
+            <a:noAutofit/>
+          </a:bodyPr>
+          <a:lstStyle/>
+          <a:p>
+            <a:r>
+              <a:rPr lang="en-GB" sz="4800" dirty="0">
+                <a:solidFill>
+                  <a:schemeClr val="bg1"/>
+                </a:solidFill>
+              </a:rPr>
+              <a:t>I believe in You</a:t>
+            </a:r>
+          </a:p>
+          <a:p>
+            <a:r>
+              <a:rPr lang="en-GB" sz="4800" dirty="0">
+                <a:solidFill>
+                  <a:schemeClr val="bg1"/>
+                </a:solidFill>
+              </a:rPr>
+              <a:t>I believe You rose again</a:t>
+            </a:r>
+          </a:p>
+          <a:p>
+            <a:r>
+              <a:rPr lang="en-GB" sz="4800" dirty="0">
+                <a:solidFill>
+                  <a:schemeClr val="bg1"/>
+                </a:solidFill>
+              </a:rPr>
+              <a:t>I believe that Jesus Christ is Lord</a:t>
+            </a:r>
+          </a:p>
+        </p:txBody>
+      </p:sp>
+      <p:sp>
+        <p:nvSpPr>
+          <p:cNvPr id="4" name="TextBox 3"/>
+          <p:cNvSpPr txBox="1"/>
+          <p:nvPr/>
+        </p:nvSpPr>
+        <p:spPr>
+          <a:xfrm>
+            <a:off x="8529729" y="0"/>
+            <a:ext cx="628698" cy="461665"/>
+          </a:xfrm>
+          <a:prstGeom prst="rect">
+            <a:avLst/>
+          </a:prstGeom>
+          <a:noFill/>
+        </p:spPr>
+        <p:txBody>
+          <a:bodyPr wrap="none" rtlCol="0">
+            <a:spAutoFit/>
+          </a:bodyPr>
+          <a:lstStyle/>
+          <a:p>
+            <a:r>
+              <a:rPr lang="en-GB" sz="2400" b="1" dirty="0">
+                <a:solidFill>
+                  <a:schemeClr val="bg1"/>
+                </a:solidFill>
+              </a:rPr>
+              <a:t>4/5</a:t>
+            </a:r>
+          </a:p>
+        </p:txBody>
+      </p:sp>
+    </p:spTree>
+    <p:extLst>
+      <p:ext uri="{BB962C8B-B14F-4D97-AF65-F5344CB8AC3E}">
+        <p14:creationId xmlns:p14="http://schemas.microsoft.com/office/powerpoint/2010/main" val="3481735550"/>
+      </p:ext>
+    </p:extLst>
+  </p:cSld>
+  <p:clrMapOvr>
+    <a:masterClrMapping/>
+  </p:clrMapOvr>
+</p:sld>
+</file>
+
+<file path=ppt/slides/slide34.xml><?xml version="1.0" encoding="utf-8"?>
+<p:sld xmlns:a="http://schemas.openxmlformats.org/drawingml/2006/main" xmlns:r="http://schemas.openxmlformats.org/officeDocument/2006/relationships" xmlns:p="http://schemas.openxmlformats.org/presentationml/2006/main">
+  <p:cSld>
+    <p:spTree>
+      <p:nvGrpSpPr>
+        <p:cNvPr id="1" name=""/>
+        <p:cNvGrpSpPr/>
+        <p:nvPr/>
+      </p:nvGrpSpPr>
+      <p:grpSpPr>
+        <a:xfrm>
+          <a:off x="0" y="0"/>
+          <a:ext cx="0" cy="0"/>
+          <a:chOff x="0" y="0"/>
+          <a:chExt cx="0" cy="0"/>
+        </a:xfrm>
+      </p:grpSpPr>
+      <p:sp>
+        <p:nvSpPr>
+          <p:cNvPr id="3" name="Subtitle 2"/>
+          <p:cNvSpPr>
+            <a:spLocks noGrp="1"/>
+          </p:cNvSpPr>
+          <p:nvPr>
+            <p:ph type="subTitle" idx="1"/>
+          </p:nvPr>
+        </p:nvSpPr>
+        <p:spPr>
+          <a:xfrm>
+            <a:off x="323528" y="188640"/>
+            <a:ext cx="8640960" cy="6480720"/>
+          </a:xfrm>
+        </p:spPr>
+        <p:txBody>
+          <a:bodyPr>
+            <a:noAutofit/>
+          </a:bodyPr>
+          <a:lstStyle/>
+          <a:p>
+            <a:r>
+              <a:rPr lang="en-GB" sz="4800" dirty="0">
+                <a:solidFill>
+                  <a:schemeClr val="bg1"/>
+                </a:solidFill>
+              </a:rPr>
+              <a:t>I believe in life eternal</a:t>
+            </a:r>
+          </a:p>
+          <a:p>
+            <a:r>
+              <a:rPr lang="en-GB" sz="4800" dirty="0">
+                <a:solidFill>
+                  <a:schemeClr val="bg1"/>
+                </a:solidFill>
+              </a:rPr>
+              <a:t>I believe in the virgin birth</a:t>
+            </a:r>
+          </a:p>
+          <a:p>
+            <a:r>
+              <a:rPr lang="en-GB" sz="4800" dirty="0">
+                <a:solidFill>
+                  <a:schemeClr val="bg1"/>
+                </a:solidFill>
+              </a:rPr>
+              <a:t>I believe in the saints' communion</a:t>
+            </a:r>
+          </a:p>
+          <a:p>
+            <a:r>
+              <a:rPr lang="en-GB" sz="4800" dirty="0">
+                <a:solidFill>
+                  <a:schemeClr val="bg1"/>
+                </a:solidFill>
+              </a:rPr>
+              <a:t>And in Your holy Church</a:t>
+            </a:r>
+          </a:p>
+          <a:p>
+            <a:r>
+              <a:rPr lang="en-GB" sz="4800" dirty="0">
+                <a:solidFill>
+                  <a:schemeClr val="bg1"/>
+                </a:solidFill>
+              </a:rPr>
+              <a:t>I believe in the resurrection</a:t>
+            </a:r>
+          </a:p>
+          <a:p>
+            <a:r>
+              <a:rPr lang="en-GB" sz="4800" dirty="0">
+                <a:solidFill>
+                  <a:schemeClr val="bg1"/>
+                </a:solidFill>
+              </a:rPr>
+              <a:t>When Jesus comes again</a:t>
+            </a:r>
+          </a:p>
+          <a:p>
+            <a:r>
+              <a:rPr lang="en-GB" sz="4800" dirty="0">
+                <a:solidFill>
+                  <a:schemeClr val="bg1"/>
+                </a:solidFill>
+              </a:rPr>
+              <a:t>For I believe in the Name of Jesus</a:t>
+            </a:r>
+          </a:p>
+        </p:txBody>
+      </p:sp>
+      <p:sp>
+        <p:nvSpPr>
+          <p:cNvPr id="4" name="TextBox 3"/>
+          <p:cNvSpPr txBox="1"/>
+          <p:nvPr/>
+        </p:nvSpPr>
+        <p:spPr>
+          <a:xfrm>
+            <a:off x="8529729" y="0"/>
+            <a:ext cx="628698" cy="461665"/>
+          </a:xfrm>
+          <a:prstGeom prst="rect">
+            <a:avLst/>
+          </a:prstGeom>
+          <a:noFill/>
+        </p:spPr>
+        <p:txBody>
+          <a:bodyPr wrap="none" rtlCol="0">
+            <a:spAutoFit/>
+          </a:bodyPr>
+          <a:lstStyle/>
+          <a:p>
+            <a:r>
+              <a:rPr lang="en-GB" sz="2400" b="1" dirty="0">
+                <a:solidFill>
+                  <a:schemeClr val="bg1"/>
+                </a:solidFill>
+              </a:rPr>
+              <a:t>5/5</a:t>
+            </a:r>
+          </a:p>
+        </p:txBody>
+      </p:sp>
+    </p:spTree>
+    <p:extLst>
+      <p:ext uri="{BB962C8B-B14F-4D97-AF65-F5344CB8AC3E}">
+        <p14:creationId xmlns:p14="http://schemas.microsoft.com/office/powerpoint/2010/main" val="698737962"/>
       </p:ext>
     </p:extLst>
   </p:cSld>
@@ -7306,23 +8032,7 @@
                   <a:schemeClr val="bg1"/>
                 </a:solidFill>
               </a:rPr>
-              <a:t>With </a:t>
-            </a:r>
-            <a:r>
-              <a:rPr lang="en-GB" sz="4400" dirty="0" err="1">
-                <a:solidFill>
-                  <a:schemeClr val="bg1"/>
-                </a:solidFill>
-              </a:rPr>
-              <a:t>splendor</a:t>
-            </a:r>
-            <a:r>
-              <a:rPr lang="en-GB" sz="4400" dirty="0">
-                <a:solidFill>
-                  <a:schemeClr val="bg1"/>
-                </a:solidFill>
-              </a:rPr>
-              <a:t> He is crowned</a:t>
+              <a:t>With splendour He is crowned</a:t>
             </a:r>
           </a:p>
           <a:p>
